--- a/FFPM/FFPM 303.pptx
+++ b/FFPM/FFPM 303.pptx
@@ -177,10 +177,9 @@
           <a:lstStyle/>
           <a:p>
             <a:r>
-              <a:rPr lang="fr-FR" smtClean="0"/>
+              <a:rPr lang="fr-FR"/>
               <a:t>Cliquez pour modifier le style du titre</a:t>
             </a:r>
-            <a:endParaRPr lang="fr-FR"/>
           </a:p>
         </p:txBody>
       </p:sp>
@@ -296,10 +295,9 @@
           </a:lstStyle>
           <a:p>
             <a:r>
-              <a:rPr lang="fr-FR" smtClean="0"/>
+              <a:rPr lang="fr-FR"/>
               <a:t>Cliquez pour modifier le style des sous-titres du masque</a:t>
             </a:r>
-            <a:endParaRPr lang="fr-FR"/>
           </a:p>
         </p:txBody>
       </p:sp>
@@ -320,7 +318,7 @@
           <a:p>
             <a:fld id="{903AAF59-6F48-454C-BECB-2D44C0AEF61A}" type="datetimeFigureOut">
               <a:rPr lang="fr-FR" smtClean="0"/>
-              <a:t>01/08/2021</a:t>
+              <a:t>25/06/2023</a:t>
             </a:fld>
             <a:endParaRPr lang="fr-FR"/>
           </a:p>
@@ -409,10 +407,9 @@
           <a:lstStyle/>
           <a:p>
             <a:r>
-              <a:rPr lang="fr-FR" smtClean="0"/>
+              <a:rPr lang="fr-FR"/>
               <a:t>Cliquez pour modifier le style du titre</a:t>
             </a:r>
-            <a:endParaRPr lang="fr-FR"/>
           </a:p>
         </p:txBody>
       </p:sp>
@@ -433,38 +430,37 @@
           <a:p>
             <a:pPr lvl="0"/>
             <a:r>
-              <a:rPr lang="fr-FR" smtClean="0"/>
+              <a:rPr lang="fr-FR"/>
               <a:t>Cliquez pour modifier les styles du texte du masque</a:t>
             </a:r>
           </a:p>
           <a:p>
             <a:pPr lvl="1"/>
             <a:r>
-              <a:rPr lang="fr-FR" smtClean="0"/>
+              <a:rPr lang="fr-FR"/>
               <a:t>Deuxième niveau</a:t>
             </a:r>
           </a:p>
           <a:p>
             <a:pPr lvl="2"/>
             <a:r>
-              <a:rPr lang="fr-FR" smtClean="0"/>
+              <a:rPr lang="fr-FR"/>
               <a:t>Troisième niveau</a:t>
             </a:r>
           </a:p>
           <a:p>
             <a:pPr lvl="3"/>
             <a:r>
-              <a:rPr lang="fr-FR" smtClean="0"/>
+              <a:rPr lang="fr-FR"/>
               <a:t>Quatrième niveau</a:t>
             </a:r>
           </a:p>
           <a:p>
             <a:pPr lvl="4"/>
             <a:r>
-              <a:rPr lang="fr-FR" smtClean="0"/>
+              <a:rPr lang="fr-FR"/>
               <a:t>Cinquième niveau</a:t>
             </a:r>
-            <a:endParaRPr lang="fr-FR"/>
           </a:p>
         </p:txBody>
       </p:sp>
@@ -485,7 +481,7 @@
           <a:p>
             <a:fld id="{903AAF59-6F48-454C-BECB-2D44C0AEF61A}" type="datetimeFigureOut">
               <a:rPr lang="fr-FR" smtClean="0"/>
-              <a:t>01/08/2021</a:t>
+              <a:t>25/06/2023</a:t>
             </a:fld>
             <a:endParaRPr lang="fr-FR"/>
           </a:p>
@@ -579,10 +575,9 @@
           <a:lstStyle/>
           <a:p>
             <a:r>
-              <a:rPr lang="fr-FR" smtClean="0"/>
+              <a:rPr lang="fr-FR"/>
               <a:t>Cliquez pour modifier le style du titre</a:t>
             </a:r>
-            <a:endParaRPr lang="fr-FR"/>
           </a:p>
         </p:txBody>
       </p:sp>
@@ -608,38 +603,37 @@
           <a:p>
             <a:pPr lvl="0"/>
             <a:r>
-              <a:rPr lang="fr-FR" smtClean="0"/>
+              <a:rPr lang="fr-FR"/>
               <a:t>Cliquez pour modifier les styles du texte du masque</a:t>
             </a:r>
           </a:p>
           <a:p>
             <a:pPr lvl="1"/>
             <a:r>
-              <a:rPr lang="fr-FR" smtClean="0"/>
+              <a:rPr lang="fr-FR"/>
               <a:t>Deuxième niveau</a:t>
             </a:r>
           </a:p>
           <a:p>
             <a:pPr lvl="2"/>
             <a:r>
-              <a:rPr lang="fr-FR" smtClean="0"/>
+              <a:rPr lang="fr-FR"/>
               <a:t>Troisième niveau</a:t>
             </a:r>
           </a:p>
           <a:p>
             <a:pPr lvl="3"/>
             <a:r>
-              <a:rPr lang="fr-FR" smtClean="0"/>
+              <a:rPr lang="fr-FR"/>
               <a:t>Quatrième niveau</a:t>
             </a:r>
           </a:p>
           <a:p>
             <a:pPr lvl="4"/>
             <a:r>
-              <a:rPr lang="fr-FR" smtClean="0"/>
+              <a:rPr lang="fr-FR"/>
               <a:t>Cinquième niveau</a:t>
             </a:r>
-            <a:endParaRPr lang="fr-FR"/>
           </a:p>
         </p:txBody>
       </p:sp>
@@ -660,7 +654,7 @@
           <a:p>
             <a:fld id="{903AAF59-6F48-454C-BECB-2D44C0AEF61A}" type="datetimeFigureOut">
               <a:rPr lang="fr-FR" smtClean="0"/>
-              <a:t>01/08/2021</a:t>
+              <a:t>25/06/2023</a:t>
             </a:fld>
             <a:endParaRPr lang="fr-FR"/>
           </a:p>
@@ -749,10 +743,9 @@
           <a:lstStyle/>
           <a:p>
             <a:r>
-              <a:rPr lang="fr-FR" smtClean="0"/>
+              <a:rPr lang="fr-FR"/>
               <a:t>Cliquez pour modifier le style du titre</a:t>
             </a:r>
-            <a:endParaRPr lang="fr-FR"/>
           </a:p>
         </p:txBody>
       </p:sp>
@@ -773,38 +766,37 @@
           <a:p>
             <a:pPr lvl="0"/>
             <a:r>
-              <a:rPr lang="fr-FR" smtClean="0"/>
+              <a:rPr lang="fr-FR"/>
               <a:t>Cliquez pour modifier les styles du texte du masque</a:t>
             </a:r>
           </a:p>
           <a:p>
             <a:pPr lvl="1"/>
             <a:r>
-              <a:rPr lang="fr-FR" smtClean="0"/>
+              <a:rPr lang="fr-FR"/>
               <a:t>Deuxième niveau</a:t>
             </a:r>
           </a:p>
           <a:p>
             <a:pPr lvl="2"/>
             <a:r>
-              <a:rPr lang="fr-FR" smtClean="0"/>
+              <a:rPr lang="fr-FR"/>
               <a:t>Troisième niveau</a:t>
             </a:r>
           </a:p>
           <a:p>
             <a:pPr lvl="3"/>
             <a:r>
-              <a:rPr lang="fr-FR" smtClean="0"/>
+              <a:rPr lang="fr-FR"/>
               <a:t>Quatrième niveau</a:t>
             </a:r>
           </a:p>
           <a:p>
             <a:pPr lvl="4"/>
             <a:r>
-              <a:rPr lang="fr-FR" smtClean="0"/>
+              <a:rPr lang="fr-FR"/>
               <a:t>Cinquième niveau</a:t>
             </a:r>
-            <a:endParaRPr lang="fr-FR"/>
           </a:p>
         </p:txBody>
       </p:sp>
@@ -825,7 +817,7 @@
           <a:p>
             <a:fld id="{903AAF59-6F48-454C-BECB-2D44C0AEF61A}" type="datetimeFigureOut">
               <a:rPr lang="fr-FR" smtClean="0"/>
-              <a:t>01/08/2021</a:t>
+              <a:t>25/06/2023</a:t>
             </a:fld>
             <a:endParaRPr lang="fr-FR"/>
           </a:p>
@@ -923,10 +915,9 @@
           </a:lstStyle>
           <a:p>
             <a:r>
-              <a:rPr lang="fr-FR" smtClean="0"/>
+              <a:rPr lang="fr-FR"/>
               <a:t>Cliquez pour modifier le style du titre</a:t>
             </a:r>
-            <a:endParaRPr lang="fr-FR"/>
           </a:p>
         </p:txBody>
       </p:sp>
@@ -1043,7 +1034,7 @@
           <a:p>
             <a:pPr lvl="0"/>
             <a:r>
-              <a:rPr lang="fr-FR" smtClean="0"/>
+              <a:rPr lang="fr-FR"/>
               <a:t>Cliquez pour modifier les styles du texte du masque</a:t>
             </a:r>
           </a:p>
@@ -1066,7 +1057,7 @@
           <a:p>
             <a:fld id="{903AAF59-6F48-454C-BECB-2D44C0AEF61A}" type="datetimeFigureOut">
               <a:rPr lang="fr-FR" smtClean="0"/>
-              <a:t>01/08/2021</a:t>
+              <a:t>25/06/2023</a:t>
             </a:fld>
             <a:endParaRPr lang="fr-FR"/>
           </a:p>
@@ -1155,10 +1146,9 @@
           <a:lstStyle/>
           <a:p>
             <a:r>
-              <a:rPr lang="fr-FR" smtClean="0"/>
+              <a:rPr lang="fr-FR"/>
               <a:t>Cliquez pour modifier le style du titre</a:t>
             </a:r>
-            <a:endParaRPr lang="fr-FR"/>
           </a:p>
         </p:txBody>
       </p:sp>
@@ -1212,38 +1202,37 @@
           <a:p>
             <a:pPr lvl="0"/>
             <a:r>
-              <a:rPr lang="fr-FR" smtClean="0"/>
+              <a:rPr lang="fr-FR"/>
               <a:t>Cliquez pour modifier les styles du texte du masque</a:t>
             </a:r>
           </a:p>
           <a:p>
             <a:pPr lvl="1"/>
             <a:r>
-              <a:rPr lang="fr-FR" smtClean="0"/>
+              <a:rPr lang="fr-FR"/>
               <a:t>Deuxième niveau</a:t>
             </a:r>
           </a:p>
           <a:p>
             <a:pPr lvl="2"/>
             <a:r>
-              <a:rPr lang="fr-FR" smtClean="0"/>
+              <a:rPr lang="fr-FR"/>
               <a:t>Troisième niveau</a:t>
             </a:r>
           </a:p>
           <a:p>
             <a:pPr lvl="3"/>
             <a:r>
-              <a:rPr lang="fr-FR" smtClean="0"/>
+              <a:rPr lang="fr-FR"/>
               <a:t>Quatrième niveau</a:t>
             </a:r>
           </a:p>
           <a:p>
             <a:pPr lvl="4"/>
             <a:r>
-              <a:rPr lang="fr-FR" smtClean="0"/>
+              <a:rPr lang="fr-FR"/>
               <a:t>Cinquième niveau</a:t>
             </a:r>
-            <a:endParaRPr lang="fr-FR"/>
           </a:p>
         </p:txBody>
       </p:sp>
@@ -1297,38 +1286,37 @@
           <a:p>
             <a:pPr lvl="0"/>
             <a:r>
-              <a:rPr lang="fr-FR" smtClean="0"/>
+              <a:rPr lang="fr-FR"/>
               <a:t>Cliquez pour modifier les styles du texte du masque</a:t>
             </a:r>
           </a:p>
           <a:p>
             <a:pPr lvl="1"/>
             <a:r>
-              <a:rPr lang="fr-FR" smtClean="0"/>
+              <a:rPr lang="fr-FR"/>
               <a:t>Deuxième niveau</a:t>
             </a:r>
           </a:p>
           <a:p>
             <a:pPr lvl="2"/>
             <a:r>
-              <a:rPr lang="fr-FR" smtClean="0"/>
+              <a:rPr lang="fr-FR"/>
               <a:t>Troisième niveau</a:t>
             </a:r>
           </a:p>
           <a:p>
             <a:pPr lvl="3"/>
             <a:r>
-              <a:rPr lang="fr-FR" smtClean="0"/>
+              <a:rPr lang="fr-FR"/>
               <a:t>Quatrième niveau</a:t>
             </a:r>
           </a:p>
           <a:p>
             <a:pPr lvl="4"/>
             <a:r>
-              <a:rPr lang="fr-FR" smtClean="0"/>
+              <a:rPr lang="fr-FR"/>
               <a:t>Cinquième niveau</a:t>
             </a:r>
-            <a:endParaRPr lang="fr-FR"/>
           </a:p>
         </p:txBody>
       </p:sp>
@@ -1349,7 +1337,7 @@
           <a:p>
             <a:fld id="{903AAF59-6F48-454C-BECB-2D44C0AEF61A}" type="datetimeFigureOut">
               <a:rPr lang="fr-FR" smtClean="0"/>
-              <a:t>01/08/2021</a:t>
+              <a:t>25/06/2023</a:t>
             </a:fld>
             <a:endParaRPr lang="fr-FR"/>
           </a:p>
@@ -1447,10 +1435,9 @@
           </a:lstStyle>
           <a:p>
             <a:r>
-              <a:rPr lang="fr-FR" smtClean="0"/>
+              <a:rPr lang="fr-FR"/>
               <a:t>Cliquez pour modifier le style du titre</a:t>
             </a:r>
-            <a:endParaRPr lang="fr-FR"/>
           </a:p>
         </p:txBody>
       </p:sp>
@@ -1513,7 +1500,7 @@
           <a:p>
             <a:pPr lvl="0"/>
             <a:r>
-              <a:rPr lang="fr-FR" smtClean="0"/>
+              <a:rPr lang="fr-FR"/>
               <a:t>Cliquez pour modifier les styles du texte du masque</a:t>
             </a:r>
           </a:p>
@@ -1569,38 +1556,37 @@
           <a:p>
             <a:pPr lvl="0"/>
             <a:r>
-              <a:rPr lang="fr-FR" smtClean="0"/>
+              <a:rPr lang="fr-FR"/>
               <a:t>Cliquez pour modifier les styles du texte du masque</a:t>
             </a:r>
           </a:p>
           <a:p>
             <a:pPr lvl="1"/>
             <a:r>
-              <a:rPr lang="fr-FR" smtClean="0"/>
+              <a:rPr lang="fr-FR"/>
               <a:t>Deuxième niveau</a:t>
             </a:r>
           </a:p>
           <a:p>
             <a:pPr lvl="2"/>
             <a:r>
-              <a:rPr lang="fr-FR" smtClean="0"/>
+              <a:rPr lang="fr-FR"/>
               <a:t>Troisième niveau</a:t>
             </a:r>
           </a:p>
           <a:p>
             <a:pPr lvl="3"/>
             <a:r>
-              <a:rPr lang="fr-FR" smtClean="0"/>
+              <a:rPr lang="fr-FR"/>
               <a:t>Quatrième niveau</a:t>
             </a:r>
           </a:p>
           <a:p>
             <a:pPr lvl="4"/>
             <a:r>
-              <a:rPr lang="fr-FR" smtClean="0"/>
+              <a:rPr lang="fr-FR"/>
               <a:t>Cinquième niveau</a:t>
             </a:r>
-            <a:endParaRPr lang="fr-FR"/>
           </a:p>
         </p:txBody>
       </p:sp>
@@ -1663,7 +1649,7 @@
           <a:p>
             <a:pPr lvl="0"/>
             <a:r>
-              <a:rPr lang="fr-FR" smtClean="0"/>
+              <a:rPr lang="fr-FR"/>
               <a:t>Cliquez pour modifier les styles du texte du masque</a:t>
             </a:r>
           </a:p>
@@ -1719,38 +1705,37 @@
           <a:p>
             <a:pPr lvl="0"/>
             <a:r>
-              <a:rPr lang="fr-FR" smtClean="0"/>
+              <a:rPr lang="fr-FR"/>
               <a:t>Cliquez pour modifier les styles du texte du masque</a:t>
             </a:r>
           </a:p>
           <a:p>
             <a:pPr lvl="1"/>
             <a:r>
-              <a:rPr lang="fr-FR" smtClean="0"/>
+              <a:rPr lang="fr-FR"/>
               <a:t>Deuxième niveau</a:t>
             </a:r>
           </a:p>
           <a:p>
             <a:pPr lvl="2"/>
             <a:r>
-              <a:rPr lang="fr-FR" smtClean="0"/>
+              <a:rPr lang="fr-FR"/>
               <a:t>Troisième niveau</a:t>
             </a:r>
           </a:p>
           <a:p>
             <a:pPr lvl="3"/>
             <a:r>
-              <a:rPr lang="fr-FR" smtClean="0"/>
+              <a:rPr lang="fr-FR"/>
               <a:t>Quatrième niveau</a:t>
             </a:r>
           </a:p>
           <a:p>
             <a:pPr lvl="4"/>
             <a:r>
-              <a:rPr lang="fr-FR" smtClean="0"/>
+              <a:rPr lang="fr-FR"/>
               <a:t>Cinquième niveau</a:t>
             </a:r>
-            <a:endParaRPr lang="fr-FR"/>
           </a:p>
         </p:txBody>
       </p:sp>
@@ -1771,7 +1756,7 @@
           <a:p>
             <a:fld id="{903AAF59-6F48-454C-BECB-2D44C0AEF61A}" type="datetimeFigureOut">
               <a:rPr lang="fr-FR" smtClean="0"/>
-              <a:t>01/08/2021</a:t>
+              <a:t>25/06/2023</a:t>
             </a:fld>
             <a:endParaRPr lang="fr-FR"/>
           </a:p>
@@ -1860,10 +1845,9 @@
           <a:lstStyle/>
           <a:p>
             <a:r>
-              <a:rPr lang="fr-FR" smtClean="0"/>
+              <a:rPr lang="fr-FR"/>
               <a:t>Cliquez pour modifier le style du titre</a:t>
             </a:r>
-            <a:endParaRPr lang="fr-FR"/>
           </a:p>
         </p:txBody>
       </p:sp>
@@ -1884,7 +1868,7 @@
           <a:p>
             <a:fld id="{903AAF59-6F48-454C-BECB-2D44C0AEF61A}" type="datetimeFigureOut">
               <a:rPr lang="fr-FR" smtClean="0"/>
-              <a:t>01/08/2021</a:t>
+              <a:t>25/06/2023</a:t>
             </a:fld>
             <a:endParaRPr lang="fr-FR"/>
           </a:p>
@@ -1974,7 +1958,7 @@
           <a:p>
             <a:fld id="{903AAF59-6F48-454C-BECB-2D44C0AEF61A}" type="datetimeFigureOut">
               <a:rPr lang="fr-FR" smtClean="0"/>
-              <a:t>01/08/2021</a:t>
+              <a:t>25/06/2023</a:t>
             </a:fld>
             <a:endParaRPr lang="fr-FR"/>
           </a:p>
@@ -2072,10 +2056,9 @@
           </a:lstStyle>
           <a:p>
             <a:r>
-              <a:rPr lang="fr-FR" smtClean="0"/>
+              <a:rPr lang="fr-FR"/>
               <a:t>Cliquez pour modifier le style du titre</a:t>
             </a:r>
-            <a:endParaRPr lang="fr-FR"/>
           </a:p>
         </p:txBody>
       </p:sp>
@@ -2129,38 +2112,37 @@
           <a:p>
             <a:pPr lvl="0"/>
             <a:r>
-              <a:rPr lang="fr-FR" smtClean="0"/>
+              <a:rPr lang="fr-FR"/>
               <a:t>Cliquez pour modifier les styles du texte du masque</a:t>
             </a:r>
           </a:p>
           <a:p>
             <a:pPr lvl="1"/>
             <a:r>
-              <a:rPr lang="fr-FR" smtClean="0"/>
+              <a:rPr lang="fr-FR"/>
               <a:t>Deuxième niveau</a:t>
             </a:r>
           </a:p>
           <a:p>
             <a:pPr lvl="2"/>
             <a:r>
-              <a:rPr lang="fr-FR" smtClean="0"/>
+              <a:rPr lang="fr-FR"/>
               <a:t>Troisième niveau</a:t>
             </a:r>
           </a:p>
           <a:p>
             <a:pPr lvl="3"/>
             <a:r>
-              <a:rPr lang="fr-FR" smtClean="0"/>
+              <a:rPr lang="fr-FR"/>
               <a:t>Quatrième niveau</a:t>
             </a:r>
           </a:p>
           <a:p>
             <a:pPr lvl="4"/>
             <a:r>
-              <a:rPr lang="fr-FR" smtClean="0"/>
+              <a:rPr lang="fr-FR"/>
               <a:t>Cinquième niveau</a:t>
             </a:r>
-            <a:endParaRPr lang="fr-FR"/>
           </a:p>
         </p:txBody>
       </p:sp>
@@ -2223,7 +2205,7 @@
           <a:p>
             <a:pPr lvl="0"/>
             <a:r>
-              <a:rPr lang="fr-FR" smtClean="0"/>
+              <a:rPr lang="fr-FR"/>
               <a:t>Cliquez pour modifier les styles du texte du masque</a:t>
             </a:r>
           </a:p>
@@ -2246,7 +2228,7 @@
           <a:p>
             <a:fld id="{903AAF59-6F48-454C-BECB-2D44C0AEF61A}" type="datetimeFigureOut">
               <a:rPr lang="fr-FR" smtClean="0"/>
-              <a:t>01/08/2021</a:t>
+              <a:t>25/06/2023</a:t>
             </a:fld>
             <a:endParaRPr lang="fr-FR"/>
           </a:p>
@@ -2344,10 +2326,9 @@
           </a:lstStyle>
           <a:p>
             <a:r>
-              <a:rPr lang="fr-FR" smtClean="0"/>
+              <a:rPr lang="fr-FR"/>
               <a:t>Cliquez pour modifier le style du titre</a:t>
             </a:r>
-            <a:endParaRPr lang="fr-FR"/>
           </a:p>
         </p:txBody>
       </p:sp>
@@ -2471,7 +2452,7 @@
           <a:p>
             <a:pPr lvl="0"/>
             <a:r>
-              <a:rPr lang="fr-FR" smtClean="0"/>
+              <a:rPr lang="fr-FR"/>
               <a:t>Cliquez pour modifier les styles du texte du masque</a:t>
             </a:r>
           </a:p>
@@ -2494,7 +2475,7 @@
           <a:p>
             <a:fld id="{903AAF59-6F48-454C-BECB-2D44C0AEF61A}" type="datetimeFigureOut">
               <a:rPr lang="fr-FR" smtClean="0"/>
-              <a:t>01/08/2021</a:t>
+              <a:t>25/06/2023</a:t>
             </a:fld>
             <a:endParaRPr lang="fr-FR"/>
           </a:p>
@@ -2598,10 +2579,9 @@
           <a:lstStyle/>
           <a:p>
             <a:r>
-              <a:rPr lang="fr-FR" smtClean="0"/>
+              <a:rPr lang="fr-FR"/>
               <a:t>Cliquez pour modifier le style du titre</a:t>
             </a:r>
-            <a:endParaRPr lang="fr-FR"/>
           </a:p>
         </p:txBody>
       </p:sp>
@@ -2632,38 +2612,37 @@
           <a:p>
             <a:pPr lvl="0"/>
             <a:r>
-              <a:rPr lang="fr-FR" smtClean="0"/>
+              <a:rPr lang="fr-FR"/>
               <a:t>Cliquez pour modifier les styles du texte du masque</a:t>
             </a:r>
           </a:p>
           <a:p>
             <a:pPr lvl="1"/>
             <a:r>
-              <a:rPr lang="fr-FR" smtClean="0"/>
+              <a:rPr lang="fr-FR"/>
               <a:t>Deuxième niveau</a:t>
             </a:r>
           </a:p>
           <a:p>
             <a:pPr lvl="2"/>
             <a:r>
-              <a:rPr lang="fr-FR" smtClean="0"/>
+              <a:rPr lang="fr-FR"/>
               <a:t>Troisième niveau</a:t>
             </a:r>
           </a:p>
           <a:p>
             <a:pPr lvl="3"/>
             <a:r>
-              <a:rPr lang="fr-FR" smtClean="0"/>
+              <a:rPr lang="fr-FR"/>
               <a:t>Quatrième niveau</a:t>
             </a:r>
           </a:p>
           <a:p>
             <a:pPr lvl="4"/>
             <a:r>
-              <a:rPr lang="fr-FR" smtClean="0"/>
+              <a:rPr lang="fr-FR"/>
               <a:t>Cinquième niveau</a:t>
             </a:r>
-            <a:endParaRPr lang="fr-FR"/>
           </a:p>
         </p:txBody>
       </p:sp>
@@ -2702,7 +2681,7 @@
           <a:p>
             <a:fld id="{903AAF59-6F48-454C-BECB-2D44C0AEF61A}" type="datetimeFigureOut">
               <a:rPr lang="fr-FR" smtClean="0"/>
-              <a:t>01/08/2021</a:t>
+              <a:t>25/06/2023</a:t>
             </a:fld>
             <a:endParaRPr lang="fr-FR"/>
           </a:p>
@@ -3095,34 +3074,34 @@
           <a:lstStyle/>
           <a:p>
             <a:r>
-              <a:rPr lang="en-GB" b="1" dirty="0" smtClean="0"/>
+              <a:rPr lang="en-GB" b="1" dirty="0"/>
               <a:t>303</a:t>
             </a:r>
             <a:br>
-              <a:rPr lang="en-GB" b="1" dirty="0" smtClean="0"/>
+              <a:rPr lang="en-GB" b="1" dirty="0"/>
             </a:br>
             <a:r>
-              <a:rPr lang="en-GB" b="1" dirty="0" smtClean="0"/>
+              <a:rPr lang="en-GB" b="1" dirty="0"/>
               <a:t> O !</a:t>
             </a:r>
             <a:r>
-              <a:rPr lang="en-GB" b="1" dirty="0" err="1" smtClean="0"/>
+              <a:rPr lang="en-GB" b="1" dirty="0" err="1"/>
               <a:t>mandrosoa</a:t>
             </a:r>
             <a:r>
-              <a:rPr lang="en-GB" b="1" dirty="0" smtClean="0"/>
-              <a:t> </a:t>
-            </a:r>
-            <a:r>
-              <a:rPr lang="en-GB" b="1" dirty="0" err="1" smtClean="0"/>
+              <a:rPr lang="en-GB" b="1" dirty="0"/>
+              <a:t> </a:t>
+            </a:r>
+            <a:r>
+              <a:rPr lang="en-GB" b="1" dirty="0" err="1"/>
               <a:t>ry</a:t>
             </a:r>
             <a:r>
-              <a:rPr lang="en-GB" b="1" dirty="0" smtClean="0"/>
-              <a:t> </a:t>
-            </a:r>
-            <a:r>
-              <a:rPr lang="en-GB" b="1" dirty="0" err="1" smtClean="0"/>
+              <a:rPr lang="en-GB" b="1" dirty="0"/>
+              <a:t> </a:t>
+            </a:r>
+            <a:r>
+              <a:rPr lang="en-GB" b="1" dirty="0" err="1"/>
               <a:t>mpanaraton’iJeso</a:t>
             </a:r>
             <a:endParaRPr lang="fr-FR" dirty="0"/>
@@ -3134,13 +3113,6 @@
   <p:clrMapOvr>
     <a:masterClrMapping/>
   </p:clrMapOvr>
-  <p:timing>
-    <p:tnLst>
-      <p:par>
-        <p:cTn id="1" dur="indefinite" restart="never" nodeType="tmRoot"/>
-      </p:par>
-    </p:tnLst>
-  </p:timing>
 </p:sld>
 </file>
 
@@ -3184,100 +3156,96 @@
           <a:lstStyle/>
           <a:p>
             <a:r>
-              <a:rPr lang="en-GB" sz="6500" b="1" dirty="0" smtClean="0"/>
+              <a:rPr lang="en-GB" sz="6500" b="1" dirty="0"/>
               <a:t>3 .O ! </a:t>
             </a:r>
             <a:r>
-              <a:rPr lang="en-GB" sz="6500" b="1" dirty="0" err="1" smtClean="0"/>
+              <a:rPr lang="en-GB" sz="6500" b="1" dirty="0" err="1"/>
               <a:t>mandrosoa</a:t>
             </a:r>
             <a:r>
-              <a:rPr lang="en-GB" sz="6500" b="1" dirty="0" smtClean="0"/>
+              <a:rPr lang="en-GB" sz="6500" b="1" dirty="0"/>
               <a:t>,</a:t>
             </a:r>
             <a:br>
-              <a:rPr lang="en-GB" sz="6500" b="1" dirty="0" smtClean="0"/>
+              <a:rPr lang="en-GB" sz="6500" b="1" dirty="0"/>
             </a:br>
             <a:r>
-              <a:rPr lang="en-GB" sz="6500" b="1" dirty="0" smtClean="0"/>
+              <a:rPr lang="en-GB" sz="6500" b="1" dirty="0"/>
               <a:t>      </a:t>
             </a:r>
             <a:r>
-              <a:rPr lang="en-GB" sz="6500" b="1" dirty="0" err="1" smtClean="0"/>
+              <a:rPr lang="en-GB" sz="6500" b="1" dirty="0" err="1"/>
               <a:t>ry</a:t>
             </a:r>
             <a:r>
-              <a:rPr lang="en-GB" sz="6500" b="1" dirty="0" smtClean="0"/>
-              <a:t> </a:t>
-            </a:r>
-            <a:r>
-              <a:rPr lang="en-GB" sz="6500" b="1" dirty="0" err="1" smtClean="0"/>
+              <a:rPr lang="en-GB" sz="6500" b="1" dirty="0"/>
+              <a:t> </a:t>
+            </a:r>
+            <a:r>
+              <a:rPr lang="en-GB" sz="6500" b="1" dirty="0" err="1"/>
               <a:t>mpanaraton’i</a:t>
             </a:r>
             <a:r>
-              <a:rPr lang="en-GB" sz="6500" b="1" dirty="0" smtClean="0"/>
-              <a:t> </a:t>
-            </a:r>
-            <a:r>
-              <a:rPr lang="en-GB" sz="6500" b="1" dirty="0" err="1" smtClean="0"/>
+              <a:rPr lang="en-GB" sz="6500" b="1" dirty="0"/>
+              <a:t> </a:t>
+            </a:r>
+            <a:r>
+              <a:rPr lang="en-GB" sz="6500" b="1" dirty="0" err="1"/>
               <a:t>Jeso</a:t>
             </a:r>
             <a:r>
-              <a:rPr lang="en-GB" sz="6500" b="1" dirty="0" smtClean="0"/>
+              <a:rPr lang="en-GB" sz="6500" b="1" dirty="0"/>
               <a:t>,</a:t>
             </a:r>
             <a:br>
-              <a:rPr lang="en-GB" sz="6500" b="1" dirty="0" smtClean="0"/>
+              <a:rPr lang="en-GB" sz="6500" b="1" dirty="0"/>
             </a:br>
             <a:r>
-              <a:rPr lang="en-GB" sz="6500" b="1" dirty="0" smtClean="0"/>
+              <a:rPr lang="en-GB" sz="6500" b="1" dirty="0"/>
               <a:t>   </a:t>
             </a:r>
             <a:r>
-              <a:rPr lang="en-GB" sz="6500" b="1" dirty="0" err="1" smtClean="0"/>
+              <a:rPr lang="en-GB" sz="6500" b="1" dirty="0" err="1"/>
               <a:t>Mbola</a:t>
             </a:r>
             <a:r>
-              <a:rPr lang="en-GB" sz="6500" b="1" dirty="0" smtClean="0"/>
-              <a:t> </a:t>
-            </a:r>
-            <a:r>
-              <a:rPr lang="en-GB" sz="6500" b="1" dirty="0" err="1" smtClean="0"/>
+              <a:rPr lang="en-GB" sz="6500" b="1" dirty="0"/>
+              <a:t> </a:t>
+            </a:r>
+            <a:r>
+              <a:rPr lang="en-GB" sz="6500" b="1" dirty="0" err="1"/>
               <a:t>ao</a:t>
             </a:r>
             <a:r>
-              <a:rPr lang="en-GB" sz="6500" b="1" dirty="0" smtClean="0"/>
-              <a:t> </a:t>
-            </a:r>
-            <a:r>
-              <a:rPr lang="en-GB" sz="6500" b="1" dirty="0" err="1" smtClean="0"/>
+              <a:rPr lang="en-GB" sz="6500" b="1" dirty="0"/>
+              <a:t> </a:t>
+            </a:r>
+            <a:r>
+              <a:rPr lang="en-GB" sz="6500" b="1" dirty="0" err="1"/>
               <a:t>ny</a:t>
             </a:r>
             <a:r>
-              <a:rPr lang="en-GB" sz="6500" b="1" dirty="0" smtClean="0"/>
-              <a:t> </a:t>
-            </a:r>
-            <a:r>
-              <a:rPr lang="en-GB" sz="6500" b="1" dirty="0" err="1" smtClean="0"/>
+              <a:rPr lang="en-GB" sz="6500" b="1" dirty="0"/>
+              <a:t> </a:t>
+            </a:r>
+            <a:r>
+              <a:rPr lang="en-GB" sz="6500" b="1" dirty="0" err="1"/>
               <a:t>hazandrano</a:t>
             </a:r>
-            <a:r>
-              <a:rPr lang="en-GB" sz="6500" b="1" dirty="0" smtClean="0"/>
-              <a:t/>
-            </a:r>
             <a:br>
-              <a:rPr lang="en-GB" sz="6500" b="1" dirty="0" smtClean="0"/>
+              <a:rPr lang="en-GB" sz="6500" b="1" dirty="0"/>
             </a:br>
             <a:r>
-              <a:rPr lang="en-GB" sz="6500" b="1" dirty="0" smtClean="0"/>
+              <a:rPr lang="en-GB" sz="6500" b="1" dirty="0"/>
               <a:t>      ho </a:t>
             </a:r>
             <a:r>
-              <a:rPr lang="en-GB" sz="6500" b="1" dirty="0" err="1" smtClean="0"/>
+              <a:rPr lang="en-GB" sz="6500" b="1" dirty="0" err="1"/>
               <a:t>azonao</a:t>
             </a:r>
             <a:r>
-              <a:rPr lang="en-GB" sz="6500" b="1" dirty="0" smtClean="0"/>
+              <a:rPr lang="en-GB" sz="6500" b="1" dirty="0"/>
               <a:t> ;</a:t>
             </a:r>
             <a:endParaRPr lang="fr-FR" dirty="0"/>
@@ -3289,13 +3257,6 @@
   <p:clrMapOvr>
     <a:masterClrMapping/>
   </p:clrMapOvr>
-  <p:timing>
-    <p:tnLst>
-      <p:par>
-        <p:cTn id="1" dur="indefinite" restart="never" nodeType="tmRoot"/>
-      </p:par>
-    </p:tnLst>
-  </p:timing>
 </p:sld>
 </file>
 
@@ -3339,115 +3300,107 @@
           <a:lstStyle/>
           <a:p>
             <a:r>
-              <a:rPr lang="en-GB" sz="6500" b="1" dirty="0" err="1" smtClean="0"/>
+              <a:rPr lang="en-GB" sz="6500" b="1" dirty="0" err="1"/>
               <a:t>Tsy</a:t>
             </a:r>
             <a:r>
-              <a:rPr lang="en-GB" sz="6500" b="1" dirty="0" smtClean="0"/>
-              <a:t> </a:t>
-            </a:r>
-            <a:r>
-              <a:rPr lang="en-GB" sz="6500" b="1" dirty="0" err="1" smtClean="0"/>
+              <a:rPr lang="en-GB" sz="6500" b="1" dirty="0"/>
+              <a:t> </a:t>
+            </a:r>
+            <a:r>
+              <a:rPr lang="en-GB" sz="6500" b="1" dirty="0" err="1"/>
               <a:t>azonao</a:t>
             </a:r>
             <a:r>
-              <a:rPr lang="en-GB" sz="6500" b="1" dirty="0" smtClean="0"/>
-              <a:t> </a:t>
-            </a:r>
-            <a:r>
-              <a:rPr lang="en-GB" sz="6500" b="1" dirty="0" err="1" smtClean="0"/>
+              <a:rPr lang="en-GB" sz="6500" b="1" dirty="0"/>
+              <a:t> </a:t>
+            </a:r>
+            <a:r>
+              <a:rPr lang="en-GB" sz="6500" b="1" dirty="0" err="1"/>
               <a:t>anio</a:t>
             </a:r>
             <a:r>
-              <a:rPr lang="en-GB" sz="6500" b="1" dirty="0" smtClean="0"/>
+              <a:rPr lang="en-GB" sz="6500" b="1" dirty="0"/>
               <a:t>,</a:t>
             </a:r>
             <a:br>
-              <a:rPr lang="en-GB" sz="6500" b="1" dirty="0" smtClean="0"/>
+              <a:rPr lang="en-GB" sz="6500" b="1" dirty="0"/>
             </a:br>
             <a:r>
-              <a:rPr lang="en-GB" sz="6500" b="1" dirty="0" smtClean="0"/>
+              <a:rPr lang="en-GB" sz="6500" b="1" dirty="0"/>
               <a:t>       </a:t>
             </a:r>
             <a:r>
-              <a:rPr lang="en-GB" sz="6500" b="1" dirty="0" err="1" smtClean="0"/>
+              <a:rPr lang="en-GB" sz="6500" b="1" dirty="0" err="1"/>
               <a:t>ampitso</a:t>
             </a:r>
             <a:r>
-              <a:rPr lang="en-GB" sz="6500" b="1" dirty="0" smtClean="0"/>
-              <a:t> </a:t>
-            </a:r>
-            <a:r>
-              <a:rPr lang="en-GB" sz="6500" b="1" dirty="0" err="1" smtClean="0"/>
+              <a:rPr lang="en-GB" sz="6500" b="1" dirty="0"/>
+              <a:t> </a:t>
+            </a:r>
+            <a:r>
+              <a:rPr lang="en-GB" sz="6500" b="1" dirty="0" err="1"/>
               <a:t>mandrosoa</a:t>
             </a:r>
             <a:r>
-              <a:rPr lang="en-GB" sz="6500" b="1" dirty="0" smtClean="0"/>
+              <a:rPr lang="en-GB" sz="6500" b="1" dirty="0"/>
               <a:t>,</a:t>
             </a:r>
             <a:br>
-              <a:rPr lang="en-GB" sz="6500" b="1" dirty="0" smtClean="0"/>
+              <a:rPr lang="en-GB" sz="6500" b="1" dirty="0"/>
             </a:br>
             <a:r>
-              <a:rPr lang="en-GB" sz="6500" b="1" dirty="0" smtClean="0"/>
+              <a:rPr lang="en-GB" sz="6500" b="1" dirty="0"/>
               <a:t>   </a:t>
             </a:r>
             <a:r>
-              <a:rPr lang="en-GB" sz="6500" b="1" dirty="0" err="1" smtClean="0"/>
+              <a:rPr lang="en-GB" sz="6500" b="1" dirty="0" err="1"/>
               <a:t>Raiso</a:t>
             </a:r>
             <a:r>
-              <a:rPr lang="en-GB" sz="6500" b="1" dirty="0" smtClean="0"/>
+              <a:rPr lang="en-GB" sz="6500" b="1" dirty="0"/>
               <a:t> k</a:t>
             </a:r>
             <a:r>
-              <a:rPr lang="en-GB" sz="6500" b="1" i="1" dirty="0" smtClean="0"/>
+              <a:rPr lang="en-GB" sz="6500" b="1" i="1" dirty="0"/>
               <a:t>a</a:t>
             </a:r>
             <a:r>
-              <a:rPr lang="en-GB" sz="6500" b="1" dirty="0" smtClean="0"/>
+              <a:rPr lang="en-GB" sz="6500" b="1" dirty="0"/>
               <a:t>  </a:t>
             </a:r>
             <a:r>
-              <a:rPr lang="en-GB" sz="6500" b="1" dirty="0" err="1" smtClean="0"/>
+              <a:rPr lang="en-GB" sz="6500" b="1" dirty="0" err="1"/>
               <a:t>arotsahy</a:t>
             </a:r>
-            <a:r>
-              <a:rPr lang="en-GB" sz="6500" b="1" dirty="0" smtClean="0"/>
-              <a:t/>
-            </a:r>
             <a:br>
-              <a:rPr lang="en-GB" sz="6500" b="1" dirty="0" smtClean="0"/>
+              <a:rPr lang="en-GB" sz="6500" b="1" dirty="0"/>
             </a:br>
             <a:r>
-              <a:rPr lang="en-GB" sz="6500" b="1" dirty="0" smtClean="0"/>
+              <a:rPr lang="en-GB" sz="6500" b="1" dirty="0"/>
               <a:t>       </a:t>
             </a:r>
             <a:r>
-              <a:rPr lang="en-GB" sz="6500" b="1" dirty="0" err="1" smtClean="0"/>
+              <a:rPr lang="en-GB" sz="6500" b="1" dirty="0" err="1"/>
               <a:t>ny</a:t>
             </a:r>
             <a:r>
-              <a:rPr lang="en-GB" sz="6500" b="1" dirty="0" smtClean="0"/>
-              <a:t> </a:t>
-            </a:r>
-            <a:r>
-              <a:rPr lang="en-GB" sz="6500" b="1" dirty="0" err="1" smtClean="0"/>
+              <a:rPr lang="en-GB" sz="6500" b="1" dirty="0"/>
+              <a:t> </a:t>
+            </a:r>
+            <a:r>
+              <a:rPr lang="en-GB" sz="6500" b="1" dirty="0" err="1"/>
               <a:t>haratonao</a:t>
             </a:r>
             <a:r>
-              <a:rPr lang="en-GB" sz="6500" b="1" dirty="0" smtClean="0"/>
+              <a:rPr lang="en-GB" sz="6500" b="1" dirty="0"/>
               <a:t>.</a:t>
             </a:r>
-            <a:r>
-              <a:rPr lang="en-GB" dirty="0" smtClean="0"/>
-              <a:t/>
-            </a:r>
             <a:br>
-              <a:rPr lang="en-GB" dirty="0" smtClean="0"/>
+              <a:rPr lang="en-GB" dirty="0"/>
             </a:br>
             <a:r>
-              <a:rPr lang="en-GB" dirty="0" smtClean="0"/>
+              <a:rPr lang="en-GB" dirty="0"/>
               <a:t>.</a:t>
             </a:r>
             <a:endParaRPr lang="fr-FR" dirty="0"/>
@@ -3502,167 +3455,79 @@
           <a:lstStyle/>
           <a:p>
             <a:r>
-              <a:rPr lang="en-GB" sz="6500" b="1" dirty="0" err="1" smtClean="0">
-                <a:solidFill>
-                  <a:srgbClr val="FF0000"/>
-                </a:solidFill>
-              </a:rPr>
+              <a:rPr lang="en-GB" sz="6500" b="1" dirty="0" err="1"/>
               <a:t>Miaingà</a:t>
             </a:r>
             <a:r>
-              <a:rPr lang="en-GB" sz="6500" b="1" dirty="0" smtClean="0">
-                <a:solidFill>
-                  <a:srgbClr val="FF0000"/>
-                </a:solidFill>
-              </a:rPr>
+              <a:rPr lang="en-GB" sz="6500" b="1" dirty="0"/>
               <a:t>, </a:t>
             </a:r>
             <a:r>
-              <a:rPr lang="en-GB" sz="6500" b="1" dirty="0" err="1" smtClean="0">
-                <a:solidFill>
-                  <a:srgbClr val="FF0000"/>
-                </a:solidFill>
-              </a:rPr>
+              <a:rPr lang="en-GB" sz="6500" b="1" dirty="0" err="1"/>
               <a:t>namako</a:t>
             </a:r>
             <a:r>
-              <a:rPr lang="en-GB" sz="6500" b="1" dirty="0" smtClean="0">
-                <a:solidFill>
-                  <a:srgbClr val="FF0000"/>
-                </a:solidFill>
-              </a:rPr>
+              <a:rPr lang="en-GB" sz="6500" b="1" dirty="0"/>
               <a:t> ô !</a:t>
             </a:r>
             <a:br>
-              <a:rPr lang="en-GB" sz="6500" b="1" dirty="0" smtClean="0">
-                <a:solidFill>
-                  <a:srgbClr val="FF0000"/>
-                </a:solidFill>
-              </a:rPr>
+              <a:rPr lang="en-GB" sz="6500" b="1" dirty="0"/>
             </a:br>
             <a:r>
-              <a:rPr lang="en-GB" sz="6500" b="1" dirty="0" smtClean="0">
-                <a:solidFill>
-                  <a:srgbClr val="FF0000"/>
-                </a:solidFill>
-              </a:rPr>
-              <a:t> </a:t>
-            </a:r>
-            <a:r>
-              <a:rPr lang="en-GB" sz="6500" b="1" dirty="0" err="1" smtClean="0">
-                <a:solidFill>
-                  <a:srgbClr val="FF0000"/>
-                </a:solidFill>
-              </a:rPr>
+              <a:rPr lang="en-GB" sz="6500" b="1" dirty="0"/>
+              <a:t> </a:t>
+            </a:r>
+            <a:r>
+              <a:rPr lang="en-GB" sz="6500" b="1" dirty="0" err="1"/>
               <a:t>Jeso</a:t>
             </a:r>
             <a:r>
-              <a:rPr lang="en-GB" sz="6500" b="1" dirty="0" smtClean="0">
-                <a:solidFill>
-                  <a:srgbClr val="FF0000"/>
-                </a:solidFill>
-              </a:rPr>
+              <a:rPr lang="en-GB" sz="6500" b="1" dirty="0"/>
               <a:t> no </a:t>
             </a:r>
             <a:r>
-              <a:rPr lang="en-GB" sz="6500" b="1" dirty="0" err="1" smtClean="0">
-                <a:solidFill>
-                  <a:srgbClr val="FF0000"/>
-                </a:solidFill>
-              </a:rPr>
+              <a:rPr lang="en-GB" sz="6500" b="1" dirty="0" err="1"/>
               <a:t>mibaiko</a:t>
             </a:r>
-            <a:r>
-              <a:rPr lang="en-GB" sz="6500" b="1" dirty="0" smtClean="0">
-                <a:solidFill>
-                  <a:srgbClr val="FF0000"/>
-                </a:solidFill>
-              </a:rPr>
-              <a:t/>
-            </a:r>
             <a:br>
-              <a:rPr lang="en-GB" sz="6500" b="1" dirty="0" smtClean="0">
-                <a:solidFill>
-                  <a:srgbClr val="FF0000"/>
-                </a:solidFill>
-              </a:rPr>
+              <a:rPr lang="en-GB" sz="6500" b="1" dirty="0"/>
             </a:br>
             <a:r>
-              <a:rPr lang="en-GB" sz="6500" b="1" dirty="0" smtClean="0">
-                <a:solidFill>
-                  <a:srgbClr val="FF0000"/>
-                </a:solidFill>
-              </a:rPr>
+              <a:rPr lang="en-GB" sz="6500" b="1" dirty="0"/>
               <a:t>  </a:t>
             </a:r>
             <a:r>
-              <a:rPr lang="en-GB" sz="6500" b="1" dirty="0" err="1" smtClean="0">
-                <a:solidFill>
-                  <a:srgbClr val="FF0000"/>
-                </a:solidFill>
-              </a:rPr>
+              <a:rPr lang="en-GB" sz="6500" b="1" dirty="0" err="1"/>
               <a:t>Mandrosoa,mandrosoa</a:t>
             </a:r>
             <a:r>
-              <a:rPr lang="en-GB" sz="6500" b="1" dirty="0" smtClean="0">
-                <a:solidFill>
-                  <a:srgbClr val="FF0000"/>
-                </a:solidFill>
-              </a:rPr>
+              <a:rPr lang="en-GB" sz="6500" b="1" dirty="0"/>
               <a:t>,</a:t>
             </a:r>
             <a:br>
-              <a:rPr lang="en-GB" sz="6500" b="1" dirty="0" smtClean="0">
-                <a:solidFill>
-                  <a:srgbClr val="FF0000"/>
-                </a:solidFill>
-              </a:rPr>
+              <a:rPr lang="en-GB" sz="6500" b="1" dirty="0"/>
             </a:br>
             <a:r>
-              <a:rPr lang="en-GB" sz="6500" b="1" dirty="0" smtClean="0">
-                <a:solidFill>
-                  <a:srgbClr val="FF0000"/>
-                </a:solidFill>
-              </a:rPr>
+              <a:rPr lang="en-GB" sz="6500" b="1" dirty="0"/>
               <a:t>      </a:t>
             </a:r>
             <a:r>
-              <a:rPr lang="en-GB" sz="6500" b="1" dirty="0" err="1" smtClean="0">
-                <a:solidFill>
-                  <a:srgbClr val="FF0000"/>
-                </a:solidFill>
-              </a:rPr>
+              <a:rPr lang="en-GB" sz="6500" b="1" dirty="0" err="1"/>
               <a:t>mandrosoa</a:t>
             </a:r>
             <a:r>
-              <a:rPr lang="en-GB" sz="6500" b="1" dirty="0" smtClean="0">
-                <a:solidFill>
-                  <a:srgbClr val="FF0000"/>
-                </a:solidFill>
-              </a:rPr>
-              <a:t> </a:t>
-            </a:r>
-            <a:r>
-              <a:rPr lang="en-GB" sz="6500" b="1" dirty="0" err="1" smtClean="0">
-                <a:solidFill>
-                  <a:srgbClr val="FF0000"/>
-                </a:solidFill>
-              </a:rPr>
+              <a:rPr lang="en-GB" sz="6500" b="1" dirty="0"/>
+              <a:t> </a:t>
+            </a:r>
+            <a:r>
+              <a:rPr lang="en-GB" sz="6500" b="1" dirty="0" err="1"/>
               <a:t>tokoa</a:t>
             </a:r>
             <a:r>
-              <a:rPr lang="en-GB" sz="6500" b="1" dirty="0" smtClean="0">
-                <a:solidFill>
-                  <a:srgbClr val="FF0000"/>
-                </a:solidFill>
-              </a:rPr>
+              <a:rPr lang="en-GB" sz="6500" b="1" dirty="0"/>
               <a:t> ;</a:t>
             </a:r>
-            <a:endParaRPr lang="fr-FR" sz="6500" b="1" dirty="0">
-              <a:solidFill>
-                <a:srgbClr val="FF0000"/>
-              </a:solidFill>
-            </a:endParaRPr>
+            <a:endParaRPr lang="fr-FR" sz="6500" b="1" dirty="0"/>
           </a:p>
         </p:txBody>
       </p:sp>
@@ -3714,224 +3579,112 @@
           <a:lstStyle/>
           <a:p>
             <a:r>
-              <a:rPr lang="en-GB" sz="6500" b="1" dirty="0" err="1" smtClean="0">
-                <a:solidFill>
-                  <a:srgbClr val="FF0000"/>
-                </a:solidFill>
-              </a:rPr>
+              <a:rPr lang="en-GB" sz="6500" b="1" dirty="0" err="1"/>
               <a:t>Aza</a:t>
             </a:r>
             <a:r>
-              <a:rPr lang="en-GB" sz="6500" b="1" dirty="0" smtClean="0">
-                <a:solidFill>
-                  <a:srgbClr val="FF0000"/>
-                </a:solidFill>
-              </a:rPr>
-              <a:t> </a:t>
-            </a:r>
-            <a:r>
-              <a:rPr lang="en-GB" sz="6500" b="1" dirty="0" err="1" smtClean="0">
-                <a:solidFill>
-                  <a:srgbClr val="FF0000"/>
-                </a:solidFill>
-              </a:rPr>
+              <a:rPr lang="en-GB" sz="6500" b="1" dirty="0"/>
+              <a:t> </a:t>
+            </a:r>
+            <a:r>
+              <a:rPr lang="en-GB" sz="6500" b="1" dirty="0" err="1"/>
               <a:t>kivy</a:t>
             </a:r>
             <a:r>
-              <a:rPr lang="en-GB" sz="6500" b="1" dirty="0" smtClean="0">
-                <a:solidFill>
-                  <a:srgbClr val="FF0000"/>
-                </a:solidFill>
-              </a:rPr>
-              <a:t> </a:t>
-            </a:r>
-            <a:r>
-              <a:rPr lang="en-GB" sz="6500" b="1" dirty="0" err="1" smtClean="0">
-                <a:solidFill>
-                  <a:srgbClr val="FF0000"/>
-                </a:solidFill>
-              </a:rPr>
+              <a:rPr lang="en-GB" sz="6500" b="1" dirty="0"/>
+              <a:t> </a:t>
+            </a:r>
+            <a:r>
+              <a:rPr lang="en-GB" sz="6500" b="1" dirty="0" err="1"/>
               <a:t>ko</a:t>
             </a:r>
             <a:r>
-              <a:rPr lang="en-GB" sz="6500" b="1" i="1" dirty="0" err="1" smtClean="0">
-                <a:solidFill>
-                  <a:srgbClr val="FF0000"/>
-                </a:solidFill>
-              </a:rPr>
+              <a:rPr lang="en-GB" sz="6500" b="1" i="1" dirty="0" err="1"/>
               <a:t>a</a:t>
             </a:r>
             <a:r>
-              <a:rPr lang="en-GB" sz="6500" b="1" dirty="0" smtClean="0">
-                <a:solidFill>
-                  <a:srgbClr val="FF0000"/>
-                </a:solidFill>
-              </a:rPr>
+              <a:rPr lang="en-GB" sz="6500" b="1" dirty="0"/>
               <a:t>,</a:t>
             </a:r>
             <a:br>
-              <a:rPr lang="en-GB" sz="6500" b="1" dirty="0" smtClean="0">
-                <a:solidFill>
-                  <a:srgbClr val="FF0000"/>
-                </a:solidFill>
-              </a:rPr>
+              <a:rPr lang="en-GB" sz="6500" b="1" dirty="0"/>
             </a:br>
             <a:r>
-              <a:rPr lang="en-GB" sz="6500" b="1" dirty="0" smtClean="0">
-                <a:solidFill>
-                  <a:srgbClr val="FF0000"/>
-                </a:solidFill>
-              </a:rPr>
+              <a:rPr lang="en-GB" sz="6500" b="1" dirty="0"/>
               <a:t>    </a:t>
             </a:r>
             <a:r>
-              <a:rPr lang="en-GB" sz="6500" b="1" dirty="0" err="1" smtClean="0">
-                <a:solidFill>
-                  <a:srgbClr val="FF0000"/>
-                </a:solidFill>
-              </a:rPr>
+              <a:rPr lang="en-GB" sz="6500" b="1" dirty="0" err="1"/>
               <a:t>na</a:t>
             </a:r>
             <a:r>
-              <a:rPr lang="en-GB" sz="6500" b="1" dirty="0" smtClean="0">
-                <a:solidFill>
-                  <a:srgbClr val="FF0000"/>
-                </a:solidFill>
-              </a:rPr>
-              <a:t> </a:t>
-            </a:r>
-            <a:r>
-              <a:rPr lang="en-GB" sz="6500" b="1" dirty="0" err="1" smtClean="0">
-                <a:solidFill>
-                  <a:srgbClr val="FF0000"/>
-                </a:solidFill>
-              </a:rPr>
+              <a:rPr lang="en-GB" sz="6500" b="1" dirty="0"/>
+              <a:t> </a:t>
+            </a:r>
+            <a:r>
+              <a:rPr lang="en-GB" sz="6500" b="1" dirty="0" err="1"/>
               <a:t>di</a:t>
             </a:r>
             <a:r>
-              <a:rPr lang="en-GB" sz="6500" b="1" i="1" dirty="0" err="1" smtClean="0">
-                <a:solidFill>
-                  <a:srgbClr val="FF0000"/>
-                </a:solidFill>
-              </a:rPr>
+              <a:rPr lang="en-GB" sz="6500" b="1" i="1" dirty="0" err="1"/>
               <a:t>a</a:t>
             </a:r>
             <a:r>
-              <a:rPr lang="en-GB" sz="6500" b="1" dirty="0" smtClean="0">
-                <a:solidFill>
-                  <a:srgbClr val="FF0000"/>
-                </a:solidFill>
-              </a:rPr>
+              <a:rPr lang="en-GB" sz="6500" b="1" dirty="0"/>
               <a:t>  </a:t>
             </a:r>
             <a:r>
-              <a:rPr lang="en-GB" sz="6500" b="1" dirty="0" err="1" smtClean="0">
-                <a:solidFill>
-                  <a:srgbClr val="FF0000"/>
-                </a:solidFill>
-              </a:rPr>
+              <a:rPr lang="en-GB" sz="6500" b="1" dirty="0" err="1"/>
               <a:t>tsy</a:t>
             </a:r>
             <a:r>
-              <a:rPr lang="en-GB" sz="6500" b="1" dirty="0" smtClean="0">
-                <a:solidFill>
-                  <a:srgbClr val="FF0000"/>
-                </a:solidFill>
-              </a:rPr>
-              <a:t> </a:t>
-            </a:r>
-            <a:r>
-              <a:rPr lang="en-GB" sz="6500" b="1" dirty="0" err="1" smtClean="0">
-                <a:solidFill>
-                  <a:srgbClr val="FF0000"/>
-                </a:solidFill>
-              </a:rPr>
+              <a:rPr lang="en-GB" sz="6500" b="1" dirty="0"/>
+              <a:t> </a:t>
+            </a:r>
+            <a:r>
+              <a:rPr lang="en-GB" sz="6500" b="1" dirty="0" err="1"/>
               <a:t>mahazo</a:t>
             </a:r>
             <a:r>
-              <a:rPr lang="en-GB" sz="6500" b="1" dirty="0" smtClean="0">
-                <a:solidFill>
-                  <a:srgbClr val="FF0000"/>
-                </a:solidFill>
-              </a:rPr>
+              <a:rPr lang="en-GB" sz="6500" b="1" dirty="0"/>
               <a:t>:</a:t>
             </a:r>
             <a:br>
-              <a:rPr lang="en-GB" sz="6500" b="1" dirty="0" smtClean="0">
-                <a:solidFill>
-                  <a:srgbClr val="FF0000"/>
-                </a:solidFill>
-              </a:rPr>
+              <a:rPr lang="en-GB" sz="6500" b="1" dirty="0"/>
             </a:br>
             <a:r>
-              <a:rPr lang="en-GB" sz="6500" b="1" dirty="0" err="1" smtClean="0">
-                <a:solidFill>
-                  <a:srgbClr val="FF0000"/>
-                </a:solidFill>
-              </a:rPr>
+              <a:rPr lang="en-GB" sz="6500" b="1" dirty="0" err="1"/>
               <a:t>Mandrosoa</a:t>
             </a:r>
             <a:r>
-              <a:rPr lang="en-GB" sz="6500" b="1" dirty="0" smtClean="0">
-                <a:solidFill>
-                  <a:srgbClr val="FF0000"/>
-                </a:solidFill>
-              </a:rPr>
-              <a:t> </a:t>
-            </a:r>
-            <a:r>
-              <a:rPr lang="en-GB" sz="6500" b="1" dirty="0" err="1" smtClean="0">
-                <a:solidFill>
-                  <a:srgbClr val="FF0000"/>
-                </a:solidFill>
-              </a:rPr>
+              <a:rPr lang="en-GB" sz="6500" b="1" dirty="0"/>
+              <a:t> </a:t>
+            </a:r>
+            <a:r>
+              <a:rPr lang="en-GB" sz="6500" b="1" dirty="0" err="1"/>
               <a:t>amin’ny</a:t>
             </a:r>
             <a:r>
-              <a:rPr lang="en-GB" sz="6500" b="1" dirty="0" smtClean="0">
-                <a:solidFill>
-                  <a:srgbClr val="FF0000"/>
-                </a:solidFill>
-              </a:rPr>
+              <a:rPr lang="en-GB" sz="6500" b="1" dirty="0"/>
               <a:t>  </a:t>
             </a:r>
             <a:r>
-              <a:rPr lang="en-GB" sz="6500" b="1" dirty="0" err="1" smtClean="0">
-                <a:solidFill>
-                  <a:srgbClr val="FF0000"/>
-                </a:solidFill>
-              </a:rPr>
+              <a:rPr lang="en-GB" sz="6500" b="1" dirty="0" err="1"/>
               <a:t>lalina</a:t>
             </a:r>
             <a:r>
-              <a:rPr lang="en-GB" sz="6500" b="1" dirty="0" smtClean="0">
-                <a:solidFill>
-                  <a:srgbClr val="FF0000"/>
-                </a:solidFill>
-              </a:rPr>
-              <a:t> </a:t>
-            </a:r>
-            <a:r>
-              <a:rPr lang="en-GB" sz="6500" b="1" dirty="0" err="1" smtClean="0">
-                <a:solidFill>
-                  <a:srgbClr val="FF0000"/>
-                </a:solidFill>
-              </a:rPr>
+              <a:rPr lang="en-GB" sz="6500" b="1" dirty="0"/>
+              <a:t> </a:t>
+            </a:r>
+            <a:r>
+              <a:rPr lang="en-GB" sz="6500" b="1" dirty="0" err="1"/>
               <a:t>kokoa</a:t>
             </a:r>
             <a:r>
-              <a:rPr lang="en-GB" sz="6500" b="1" dirty="0" smtClean="0">
-                <a:solidFill>
-                  <a:srgbClr val="FF0000"/>
-                </a:solidFill>
-              </a:rPr>
+              <a:rPr lang="en-GB" sz="6500" b="1" dirty="0"/>
               <a:t>.</a:t>
             </a:r>
-            <a:endParaRPr lang="fr-FR" sz="6500" b="1" dirty="0">
-              <a:solidFill>
-                <a:srgbClr val="FF0000"/>
-              </a:solidFill>
-            </a:endParaRPr>
+            <a:endParaRPr lang="fr-FR" sz="6500" b="1" dirty="0"/>
           </a:p>
         </p:txBody>
       </p:sp>
@@ -3983,108 +3736,100 @@
           <a:lstStyle/>
           <a:p>
             <a:r>
-              <a:rPr lang="en-GB" sz="6500" b="1" dirty="0" smtClean="0"/>
+              <a:rPr lang="en-GB" sz="6500" b="1" dirty="0"/>
               <a:t>4 </a:t>
             </a:r>
             <a:r>
-              <a:rPr lang="en-GB" sz="6500" b="1" dirty="0" err="1" smtClean="0"/>
+              <a:rPr lang="en-GB" sz="6500" b="1" dirty="0" err="1"/>
               <a:t>Mba</a:t>
             </a:r>
             <a:r>
-              <a:rPr lang="en-GB" sz="6500" b="1" dirty="0" smtClean="0"/>
-              <a:t> </a:t>
-            </a:r>
-            <a:r>
-              <a:rPr lang="en-GB" sz="6500" b="1" dirty="0" err="1" smtClean="0"/>
+              <a:rPr lang="en-GB" sz="6500" b="1" dirty="0"/>
+              <a:t> </a:t>
+            </a:r>
+            <a:r>
+              <a:rPr lang="en-GB" sz="6500" b="1" dirty="0" err="1"/>
               <a:t>mitoera</a:t>
             </a:r>
             <a:r>
-              <a:rPr lang="en-GB" sz="6500" b="1" dirty="0" smtClean="0"/>
+              <a:rPr lang="en-GB" sz="6500" b="1" dirty="0"/>
               <a:t>,</a:t>
             </a:r>
             <a:br>
-              <a:rPr lang="en-GB" sz="6500" b="1" dirty="0" smtClean="0"/>
+              <a:rPr lang="en-GB" sz="6500" b="1" dirty="0"/>
             </a:br>
             <a:r>
-              <a:rPr lang="en-GB" sz="6500" b="1" dirty="0" smtClean="0"/>
+              <a:rPr lang="en-GB" sz="6500" b="1" dirty="0"/>
               <a:t>     </a:t>
             </a:r>
             <a:r>
-              <a:rPr lang="en-GB" sz="6500" b="1" dirty="0" err="1" smtClean="0"/>
+              <a:rPr lang="en-GB" sz="6500" b="1" dirty="0" err="1"/>
               <a:t>Jeso</a:t>
             </a:r>
             <a:r>
-              <a:rPr lang="en-GB" sz="6500" b="1" dirty="0" smtClean="0"/>
-              <a:t> </a:t>
-            </a:r>
-            <a:r>
-              <a:rPr lang="en-GB" sz="6500" b="1" dirty="0" err="1" smtClean="0"/>
+              <a:rPr lang="en-GB" sz="6500" b="1" dirty="0"/>
+              <a:t> </a:t>
+            </a:r>
+            <a:r>
+              <a:rPr lang="en-GB" sz="6500" b="1" dirty="0" err="1"/>
               <a:t>ao</a:t>
             </a:r>
             <a:r>
-              <a:rPr lang="en-GB" sz="6500" b="1" dirty="0" smtClean="0"/>
+              <a:rPr lang="en-GB" sz="6500" b="1" dirty="0"/>
               <a:t> an-</a:t>
             </a:r>
             <a:r>
-              <a:rPr lang="en-GB" sz="6500" b="1" dirty="0" err="1" smtClean="0"/>
+              <a:rPr lang="en-GB" sz="6500" b="1" dirty="0" err="1"/>
               <a:t>tsambonay</a:t>
             </a:r>
-            <a:r>
-              <a:rPr lang="en-GB" sz="6500" b="1" dirty="0" smtClean="0"/>
-              <a:t/>
-            </a:r>
             <a:br>
-              <a:rPr lang="en-GB" sz="6500" b="1" dirty="0" smtClean="0"/>
+              <a:rPr lang="en-GB" sz="6500" b="1" dirty="0"/>
             </a:br>
             <a:r>
-              <a:rPr lang="en-GB" sz="6500" b="1" dirty="0" smtClean="0"/>
+              <a:rPr lang="en-GB" sz="6500" b="1" dirty="0"/>
               <a:t>   </a:t>
             </a:r>
             <a:r>
-              <a:rPr lang="en-GB" sz="6500" b="1" dirty="0" err="1" smtClean="0"/>
+              <a:rPr lang="en-GB" sz="6500" b="1" dirty="0" err="1"/>
               <a:t>Mba</a:t>
             </a:r>
             <a:r>
-              <a:rPr lang="en-GB" sz="6500" b="1" dirty="0" smtClean="0"/>
+              <a:rPr lang="en-GB" sz="6500" b="1" dirty="0"/>
               <a:t> ho </a:t>
             </a:r>
             <a:r>
-              <a:rPr lang="en-GB" sz="6500" b="1" dirty="0" err="1" smtClean="0"/>
+              <a:rPr lang="en-GB" sz="6500" b="1" dirty="0" err="1"/>
               <a:t>renay</a:t>
             </a:r>
             <a:r>
-              <a:rPr lang="en-GB" sz="6500" b="1" dirty="0" smtClean="0"/>
-              <a:t> </a:t>
-            </a:r>
-            <a:r>
-              <a:rPr lang="en-GB" sz="6500" b="1" dirty="0" err="1" smtClean="0"/>
+              <a:rPr lang="en-GB" sz="6500" b="1" dirty="0"/>
+              <a:t> </a:t>
+            </a:r>
+            <a:r>
+              <a:rPr lang="en-GB" sz="6500" b="1" dirty="0" err="1"/>
               <a:t>lalandava</a:t>
             </a:r>
-            <a:r>
-              <a:rPr lang="en-GB" sz="6500" b="1" dirty="0" smtClean="0"/>
-              <a:t/>
-            </a:r>
             <a:br>
-              <a:rPr lang="en-GB" sz="6500" b="1" dirty="0" smtClean="0"/>
+              <a:rPr lang="en-GB" sz="6500" b="1" dirty="0"/>
             </a:br>
             <a:r>
-              <a:rPr lang="en-GB" sz="6500" b="1" dirty="0" smtClean="0"/>
+              <a:rPr lang="en-GB" sz="6500" b="1" dirty="0"/>
               <a:t>  </a:t>
             </a:r>
             <a:r>
-              <a:rPr lang="en-GB" sz="6500" b="1" dirty="0" err="1" smtClean="0"/>
+              <a:rPr lang="en-GB" sz="6500" b="1" dirty="0" err="1"/>
               <a:t>ny</a:t>
             </a:r>
             <a:r>
-              <a:rPr lang="en-GB" sz="6500" b="1" dirty="0" smtClean="0"/>
-              <a:t> </a:t>
-            </a:r>
-            <a:r>
-              <a:rPr lang="en-GB" sz="6500" b="1" dirty="0" err="1" smtClean="0"/>
+              <a:rPr lang="en-GB" sz="6500" b="1" dirty="0"/>
+              <a:t> </a:t>
+            </a:r>
+            <a:r>
+              <a:rPr lang="en-GB" sz="6500" b="1" dirty="0" err="1"/>
               <a:t>teninao</a:t>
             </a:r>
             <a:r>
-              <a:rPr lang="en-GB" sz="6500" b="1" dirty="0" smtClean="0"/>
+              <a:rPr lang="en-GB" sz="6500" b="1" dirty="0"/>
               <a:t> ;</a:t>
             </a:r>
             <a:endParaRPr lang="fr-FR" sz="6500" b="1" dirty="0"/>
@@ -4139,100 +3884,92 @@
           <a:lstStyle/>
           <a:p>
             <a:r>
-              <a:rPr lang="en-GB" sz="6500" b="1" dirty="0" err="1" smtClean="0"/>
+              <a:rPr lang="en-GB" sz="6500" b="1" dirty="0" err="1"/>
               <a:t>Ny</a:t>
             </a:r>
             <a:r>
-              <a:rPr lang="en-GB" sz="6500" b="1" dirty="0" smtClean="0"/>
-              <a:t> </a:t>
-            </a:r>
-            <a:r>
-              <a:rPr lang="en-GB" sz="6500" b="1" dirty="0" err="1" smtClean="0"/>
+              <a:rPr lang="en-GB" sz="6500" b="1" dirty="0"/>
+              <a:t> </a:t>
+            </a:r>
+            <a:r>
+              <a:rPr lang="en-GB" sz="6500" b="1" dirty="0" err="1"/>
               <a:t>baikonao</a:t>
             </a:r>
             <a:r>
-              <a:rPr lang="en-GB" sz="6500" b="1" dirty="0" smtClean="0"/>
+              <a:rPr lang="en-GB" sz="6500" b="1" dirty="0"/>
               <a:t>, </a:t>
             </a:r>
             <a:r>
-              <a:rPr lang="en-GB" sz="6500" b="1" dirty="0" err="1" smtClean="0"/>
+              <a:rPr lang="en-GB" sz="6500" b="1" dirty="0" err="1"/>
               <a:t>ry</a:t>
             </a:r>
             <a:r>
-              <a:rPr lang="en-GB" sz="6500" b="1" dirty="0" smtClean="0"/>
-              <a:t> </a:t>
-            </a:r>
-            <a:r>
-              <a:rPr lang="en-GB" sz="6500" b="1" dirty="0" err="1" smtClean="0"/>
+              <a:rPr lang="en-GB" sz="6500" b="1" dirty="0"/>
+              <a:t> </a:t>
+            </a:r>
+            <a:r>
+              <a:rPr lang="en-GB" sz="6500" b="1" dirty="0" err="1"/>
               <a:t>Tompo</a:t>
             </a:r>
             <a:r>
-              <a:rPr lang="en-GB" sz="6500" b="1" dirty="0" smtClean="0"/>
+              <a:rPr lang="en-GB" sz="6500" b="1" dirty="0"/>
               <a:t>,</a:t>
             </a:r>
             <a:br>
-              <a:rPr lang="en-GB" sz="6500" b="1" dirty="0" smtClean="0"/>
+              <a:rPr lang="en-GB" sz="6500" b="1" dirty="0"/>
             </a:br>
             <a:r>
-              <a:rPr lang="en-GB" sz="6500" b="1" dirty="0" smtClean="0"/>
+              <a:rPr lang="en-GB" sz="6500" b="1" dirty="0"/>
               <a:t>  </a:t>
             </a:r>
             <a:r>
-              <a:rPr lang="en-GB" sz="6500" b="1" dirty="0" err="1" smtClean="0"/>
+              <a:rPr lang="en-GB" sz="6500" b="1" dirty="0" err="1"/>
               <a:t>hankatoavinay</a:t>
             </a:r>
-            <a:r>
-              <a:rPr lang="en-GB" sz="6500" b="1" dirty="0" smtClean="0"/>
-              <a:t/>
-            </a:r>
             <a:br>
-              <a:rPr lang="en-GB" sz="6500" b="1" dirty="0" smtClean="0"/>
+              <a:rPr lang="en-GB" sz="6500" b="1" dirty="0"/>
             </a:br>
             <a:r>
-              <a:rPr lang="en-GB" sz="6500" b="1" dirty="0" smtClean="0"/>
+              <a:rPr lang="en-GB" sz="6500" b="1" dirty="0"/>
               <a:t>   Ka </a:t>
             </a:r>
             <a:r>
-              <a:rPr lang="en-GB" sz="6500" b="1" dirty="0" err="1" smtClean="0"/>
+              <a:rPr lang="en-GB" sz="6500" b="1" dirty="0" err="1"/>
               <a:t>harotsakay</a:t>
             </a:r>
             <a:r>
-              <a:rPr lang="en-GB" sz="6500" b="1" dirty="0" smtClean="0"/>
-              <a:t> </a:t>
-            </a:r>
-            <a:r>
-              <a:rPr lang="en-GB" sz="6500" b="1" i="1" dirty="0" err="1" smtClean="0"/>
+              <a:rPr lang="en-GB" sz="6500" b="1" dirty="0"/>
+              <a:t> </a:t>
+            </a:r>
+            <a:r>
+              <a:rPr lang="en-GB" sz="6500" b="1" i="1" dirty="0" err="1"/>
               <a:t>i</a:t>
             </a:r>
             <a:r>
-              <a:rPr lang="en-GB" sz="6500" b="1" dirty="0" err="1" smtClean="0"/>
+              <a:rPr lang="en-GB" sz="6500" b="1" dirty="0" err="1"/>
               <a:t>zao</a:t>
             </a:r>
-            <a:r>
-              <a:rPr lang="en-GB" sz="6500" b="1" dirty="0" smtClean="0"/>
-              <a:t/>
-            </a:r>
             <a:br>
-              <a:rPr lang="en-GB" sz="6500" b="1" dirty="0" smtClean="0"/>
+              <a:rPr lang="en-GB" sz="6500" b="1" dirty="0"/>
             </a:br>
             <a:r>
-              <a:rPr lang="en-GB" sz="6500" b="1" dirty="0" smtClean="0"/>
+              <a:rPr lang="en-GB" sz="6500" b="1" dirty="0"/>
               <a:t>         </a:t>
             </a:r>
             <a:r>
-              <a:rPr lang="en-GB" sz="6500" b="1" dirty="0" err="1" smtClean="0"/>
+              <a:rPr lang="en-GB" sz="6500" b="1" dirty="0" err="1"/>
               <a:t>ny</a:t>
             </a:r>
             <a:r>
-              <a:rPr lang="en-GB" sz="6500" b="1" dirty="0" smtClean="0"/>
-              <a:t> </a:t>
-            </a:r>
-            <a:r>
-              <a:rPr lang="en-GB" sz="6500" b="1" dirty="0" err="1" smtClean="0"/>
+              <a:rPr lang="en-GB" sz="6500" b="1" dirty="0"/>
+              <a:t> </a:t>
+            </a:r>
+            <a:r>
+              <a:rPr lang="en-GB" sz="6500" b="1" dirty="0" err="1"/>
               <a:t>haratonay</a:t>
             </a:r>
             <a:r>
-              <a:rPr lang="en-GB" sz="6500" b="1" dirty="0" smtClean="0"/>
+              <a:rPr lang="en-GB" sz="6500" b="1" dirty="0"/>
               <a:t>.</a:t>
             </a:r>
             <a:endParaRPr lang="fr-FR" sz="6500" b="1" dirty="0"/>
@@ -4287,167 +4024,79 @@
           <a:lstStyle/>
           <a:p>
             <a:r>
-              <a:rPr lang="en-GB" sz="6500" b="1" dirty="0" err="1" smtClean="0">
-                <a:solidFill>
-                  <a:srgbClr val="FF0000"/>
-                </a:solidFill>
-              </a:rPr>
+              <a:rPr lang="en-GB" sz="6500" b="1" dirty="0" err="1"/>
               <a:t>Miaingà</a:t>
             </a:r>
             <a:r>
-              <a:rPr lang="en-GB" sz="6500" b="1" dirty="0" smtClean="0">
-                <a:solidFill>
-                  <a:srgbClr val="FF0000"/>
-                </a:solidFill>
-              </a:rPr>
+              <a:rPr lang="en-GB" sz="6500" b="1" dirty="0"/>
               <a:t>, </a:t>
             </a:r>
             <a:r>
-              <a:rPr lang="en-GB" sz="6500" b="1" dirty="0" err="1" smtClean="0">
-                <a:solidFill>
-                  <a:srgbClr val="FF0000"/>
-                </a:solidFill>
-              </a:rPr>
+              <a:rPr lang="en-GB" sz="6500" b="1" dirty="0" err="1"/>
               <a:t>namako</a:t>
             </a:r>
             <a:r>
-              <a:rPr lang="en-GB" sz="6500" b="1" dirty="0" smtClean="0">
-                <a:solidFill>
-                  <a:srgbClr val="FF0000"/>
-                </a:solidFill>
-              </a:rPr>
+              <a:rPr lang="en-GB" sz="6500" b="1" dirty="0"/>
               <a:t> ô !</a:t>
             </a:r>
             <a:br>
-              <a:rPr lang="en-GB" sz="6500" b="1" dirty="0" smtClean="0">
-                <a:solidFill>
-                  <a:srgbClr val="FF0000"/>
-                </a:solidFill>
-              </a:rPr>
+              <a:rPr lang="en-GB" sz="6500" b="1" dirty="0"/>
             </a:br>
             <a:r>
-              <a:rPr lang="en-GB" sz="6500" b="1" dirty="0" smtClean="0">
-                <a:solidFill>
-                  <a:srgbClr val="FF0000"/>
-                </a:solidFill>
-              </a:rPr>
-              <a:t> </a:t>
-            </a:r>
-            <a:r>
-              <a:rPr lang="en-GB" sz="6500" b="1" dirty="0" err="1" smtClean="0">
-                <a:solidFill>
-                  <a:srgbClr val="FF0000"/>
-                </a:solidFill>
-              </a:rPr>
+              <a:rPr lang="en-GB" sz="6500" b="1" dirty="0"/>
+              <a:t> </a:t>
+            </a:r>
+            <a:r>
+              <a:rPr lang="en-GB" sz="6500" b="1" dirty="0" err="1"/>
               <a:t>Jeso</a:t>
             </a:r>
             <a:r>
-              <a:rPr lang="en-GB" sz="6500" b="1" dirty="0" smtClean="0">
-                <a:solidFill>
-                  <a:srgbClr val="FF0000"/>
-                </a:solidFill>
-              </a:rPr>
+              <a:rPr lang="en-GB" sz="6500" b="1" dirty="0"/>
               <a:t> no </a:t>
             </a:r>
             <a:r>
-              <a:rPr lang="en-GB" sz="6500" b="1" dirty="0" err="1" smtClean="0">
-                <a:solidFill>
-                  <a:srgbClr val="FF0000"/>
-                </a:solidFill>
-              </a:rPr>
+              <a:rPr lang="en-GB" sz="6500" b="1" dirty="0" err="1"/>
               <a:t>mibaiko</a:t>
             </a:r>
-            <a:r>
-              <a:rPr lang="en-GB" sz="6500" b="1" dirty="0" smtClean="0">
-                <a:solidFill>
-                  <a:srgbClr val="FF0000"/>
-                </a:solidFill>
-              </a:rPr>
-              <a:t/>
-            </a:r>
             <a:br>
-              <a:rPr lang="en-GB" sz="6500" b="1" dirty="0" smtClean="0">
-                <a:solidFill>
-                  <a:srgbClr val="FF0000"/>
-                </a:solidFill>
-              </a:rPr>
+              <a:rPr lang="en-GB" sz="6500" b="1" dirty="0"/>
             </a:br>
             <a:r>
-              <a:rPr lang="en-GB" sz="6500" b="1" dirty="0" smtClean="0">
-                <a:solidFill>
-                  <a:srgbClr val="FF0000"/>
-                </a:solidFill>
-              </a:rPr>
+              <a:rPr lang="en-GB" sz="6500" b="1" dirty="0"/>
               <a:t>  </a:t>
             </a:r>
             <a:r>
-              <a:rPr lang="en-GB" sz="6500" b="1" dirty="0" err="1" smtClean="0">
-                <a:solidFill>
-                  <a:srgbClr val="FF0000"/>
-                </a:solidFill>
-              </a:rPr>
+              <a:rPr lang="en-GB" sz="6500" b="1" dirty="0" err="1"/>
               <a:t>Mandrosoa,mandrosoa</a:t>
             </a:r>
             <a:r>
-              <a:rPr lang="en-GB" sz="6500" b="1" dirty="0" smtClean="0">
-                <a:solidFill>
-                  <a:srgbClr val="FF0000"/>
-                </a:solidFill>
-              </a:rPr>
+              <a:rPr lang="en-GB" sz="6500" b="1" dirty="0"/>
               <a:t>,</a:t>
             </a:r>
             <a:br>
-              <a:rPr lang="en-GB" sz="6500" b="1" dirty="0" smtClean="0">
-                <a:solidFill>
-                  <a:srgbClr val="FF0000"/>
-                </a:solidFill>
-              </a:rPr>
+              <a:rPr lang="en-GB" sz="6500" b="1" dirty="0"/>
             </a:br>
             <a:r>
-              <a:rPr lang="en-GB" sz="6500" b="1" dirty="0" smtClean="0">
-                <a:solidFill>
-                  <a:srgbClr val="FF0000"/>
-                </a:solidFill>
-              </a:rPr>
+              <a:rPr lang="en-GB" sz="6500" b="1" dirty="0"/>
               <a:t>      </a:t>
             </a:r>
             <a:r>
-              <a:rPr lang="en-GB" sz="6500" b="1" dirty="0" err="1" smtClean="0">
-                <a:solidFill>
-                  <a:srgbClr val="FF0000"/>
-                </a:solidFill>
-              </a:rPr>
+              <a:rPr lang="en-GB" sz="6500" b="1" dirty="0" err="1"/>
               <a:t>mandrosoa</a:t>
             </a:r>
             <a:r>
-              <a:rPr lang="en-GB" sz="6500" b="1" dirty="0" smtClean="0">
-                <a:solidFill>
-                  <a:srgbClr val="FF0000"/>
-                </a:solidFill>
-              </a:rPr>
-              <a:t> </a:t>
-            </a:r>
-            <a:r>
-              <a:rPr lang="en-GB" sz="6500" b="1" dirty="0" err="1" smtClean="0">
-                <a:solidFill>
-                  <a:srgbClr val="FF0000"/>
-                </a:solidFill>
-              </a:rPr>
+              <a:rPr lang="en-GB" sz="6500" b="1" dirty="0"/>
+              <a:t> </a:t>
+            </a:r>
+            <a:r>
+              <a:rPr lang="en-GB" sz="6500" b="1" dirty="0" err="1"/>
               <a:t>tokoa</a:t>
             </a:r>
             <a:r>
-              <a:rPr lang="en-GB" sz="6500" b="1" dirty="0" smtClean="0">
-                <a:solidFill>
-                  <a:srgbClr val="FF0000"/>
-                </a:solidFill>
-              </a:rPr>
+              <a:rPr lang="en-GB" sz="6500" b="1" dirty="0"/>
               <a:t> ;</a:t>
             </a:r>
-            <a:endParaRPr lang="fr-FR" sz="6500" b="1" dirty="0">
-              <a:solidFill>
-                <a:srgbClr val="FF0000"/>
-              </a:solidFill>
-            </a:endParaRPr>
+            <a:endParaRPr lang="fr-FR" sz="6500" b="1" dirty="0"/>
           </a:p>
         </p:txBody>
       </p:sp>
@@ -4499,224 +4148,112 @@
           <a:lstStyle/>
           <a:p>
             <a:r>
-              <a:rPr lang="en-GB" sz="6500" b="1" dirty="0" err="1" smtClean="0">
-                <a:solidFill>
-                  <a:srgbClr val="FF0000"/>
-                </a:solidFill>
-              </a:rPr>
+              <a:rPr lang="en-GB" sz="6500" b="1" dirty="0" err="1"/>
               <a:t>Aza</a:t>
             </a:r>
             <a:r>
-              <a:rPr lang="en-GB" sz="6500" b="1" dirty="0" smtClean="0">
-                <a:solidFill>
-                  <a:srgbClr val="FF0000"/>
-                </a:solidFill>
-              </a:rPr>
-              <a:t> </a:t>
-            </a:r>
-            <a:r>
-              <a:rPr lang="en-GB" sz="6500" b="1" dirty="0" err="1" smtClean="0">
-                <a:solidFill>
-                  <a:srgbClr val="FF0000"/>
-                </a:solidFill>
-              </a:rPr>
+              <a:rPr lang="en-GB" sz="6500" b="1" dirty="0"/>
+              <a:t> </a:t>
+            </a:r>
+            <a:r>
+              <a:rPr lang="en-GB" sz="6500" b="1" dirty="0" err="1"/>
               <a:t>kivy</a:t>
             </a:r>
             <a:r>
-              <a:rPr lang="en-GB" sz="6500" b="1" dirty="0" smtClean="0">
-                <a:solidFill>
-                  <a:srgbClr val="FF0000"/>
-                </a:solidFill>
-              </a:rPr>
-              <a:t> </a:t>
-            </a:r>
-            <a:r>
-              <a:rPr lang="en-GB" sz="6500" b="1" dirty="0" err="1" smtClean="0">
-                <a:solidFill>
-                  <a:srgbClr val="FF0000"/>
-                </a:solidFill>
-              </a:rPr>
+              <a:rPr lang="en-GB" sz="6500" b="1" dirty="0"/>
+              <a:t> </a:t>
+            </a:r>
+            <a:r>
+              <a:rPr lang="en-GB" sz="6500" b="1" dirty="0" err="1"/>
               <a:t>ko</a:t>
             </a:r>
             <a:r>
-              <a:rPr lang="en-GB" sz="6500" b="1" i="1" dirty="0" err="1" smtClean="0">
-                <a:solidFill>
-                  <a:srgbClr val="FF0000"/>
-                </a:solidFill>
-              </a:rPr>
+              <a:rPr lang="en-GB" sz="6500" b="1" i="1" dirty="0" err="1"/>
               <a:t>a</a:t>
             </a:r>
             <a:r>
-              <a:rPr lang="en-GB" sz="6500" b="1" dirty="0" smtClean="0">
-                <a:solidFill>
-                  <a:srgbClr val="FF0000"/>
-                </a:solidFill>
-              </a:rPr>
+              <a:rPr lang="en-GB" sz="6500" b="1" dirty="0"/>
               <a:t>,</a:t>
             </a:r>
             <a:br>
-              <a:rPr lang="en-GB" sz="6500" b="1" dirty="0" smtClean="0">
-                <a:solidFill>
-                  <a:srgbClr val="FF0000"/>
-                </a:solidFill>
-              </a:rPr>
+              <a:rPr lang="en-GB" sz="6500" b="1" dirty="0"/>
             </a:br>
             <a:r>
-              <a:rPr lang="en-GB" sz="6500" b="1" dirty="0" smtClean="0">
-                <a:solidFill>
-                  <a:srgbClr val="FF0000"/>
-                </a:solidFill>
-              </a:rPr>
+              <a:rPr lang="en-GB" sz="6500" b="1" dirty="0"/>
               <a:t>    </a:t>
             </a:r>
             <a:r>
-              <a:rPr lang="en-GB" sz="6500" b="1" dirty="0" err="1" smtClean="0">
-                <a:solidFill>
-                  <a:srgbClr val="FF0000"/>
-                </a:solidFill>
-              </a:rPr>
+              <a:rPr lang="en-GB" sz="6500" b="1" dirty="0" err="1"/>
               <a:t>na</a:t>
             </a:r>
             <a:r>
-              <a:rPr lang="en-GB" sz="6500" b="1" dirty="0" smtClean="0">
-                <a:solidFill>
-                  <a:srgbClr val="FF0000"/>
-                </a:solidFill>
-              </a:rPr>
-              <a:t> </a:t>
-            </a:r>
-            <a:r>
-              <a:rPr lang="en-GB" sz="6500" b="1" dirty="0" err="1" smtClean="0">
-                <a:solidFill>
-                  <a:srgbClr val="FF0000"/>
-                </a:solidFill>
-              </a:rPr>
+              <a:rPr lang="en-GB" sz="6500" b="1" dirty="0"/>
+              <a:t> </a:t>
+            </a:r>
+            <a:r>
+              <a:rPr lang="en-GB" sz="6500" b="1" dirty="0" err="1"/>
               <a:t>di</a:t>
             </a:r>
             <a:r>
-              <a:rPr lang="en-GB" sz="6500" b="1" i="1" dirty="0" err="1" smtClean="0">
-                <a:solidFill>
-                  <a:srgbClr val="FF0000"/>
-                </a:solidFill>
-              </a:rPr>
+              <a:rPr lang="en-GB" sz="6500" b="1" i="1" dirty="0" err="1"/>
               <a:t>a</a:t>
             </a:r>
             <a:r>
-              <a:rPr lang="en-GB" sz="6500" b="1" dirty="0" smtClean="0">
-                <a:solidFill>
-                  <a:srgbClr val="FF0000"/>
-                </a:solidFill>
-              </a:rPr>
+              <a:rPr lang="en-GB" sz="6500" b="1" dirty="0"/>
               <a:t>  </a:t>
             </a:r>
             <a:r>
-              <a:rPr lang="en-GB" sz="6500" b="1" dirty="0" err="1" smtClean="0">
-                <a:solidFill>
-                  <a:srgbClr val="FF0000"/>
-                </a:solidFill>
-              </a:rPr>
+              <a:rPr lang="en-GB" sz="6500" b="1" dirty="0" err="1"/>
               <a:t>tsy</a:t>
             </a:r>
             <a:r>
-              <a:rPr lang="en-GB" sz="6500" b="1" dirty="0" smtClean="0">
-                <a:solidFill>
-                  <a:srgbClr val="FF0000"/>
-                </a:solidFill>
-              </a:rPr>
-              <a:t> </a:t>
-            </a:r>
-            <a:r>
-              <a:rPr lang="en-GB" sz="6500" b="1" dirty="0" err="1" smtClean="0">
-                <a:solidFill>
-                  <a:srgbClr val="FF0000"/>
-                </a:solidFill>
-              </a:rPr>
+              <a:rPr lang="en-GB" sz="6500" b="1" dirty="0"/>
+              <a:t> </a:t>
+            </a:r>
+            <a:r>
+              <a:rPr lang="en-GB" sz="6500" b="1" dirty="0" err="1"/>
               <a:t>mahazo</a:t>
             </a:r>
             <a:r>
-              <a:rPr lang="en-GB" sz="6500" b="1" dirty="0" smtClean="0">
-                <a:solidFill>
-                  <a:srgbClr val="FF0000"/>
-                </a:solidFill>
-              </a:rPr>
+              <a:rPr lang="en-GB" sz="6500" b="1" dirty="0"/>
               <a:t>:</a:t>
             </a:r>
             <a:br>
-              <a:rPr lang="en-GB" sz="6500" b="1" dirty="0" smtClean="0">
-                <a:solidFill>
-                  <a:srgbClr val="FF0000"/>
-                </a:solidFill>
-              </a:rPr>
+              <a:rPr lang="en-GB" sz="6500" b="1" dirty="0"/>
             </a:br>
             <a:r>
-              <a:rPr lang="en-GB" sz="6500" b="1" dirty="0" err="1" smtClean="0">
-                <a:solidFill>
-                  <a:srgbClr val="FF0000"/>
-                </a:solidFill>
-              </a:rPr>
+              <a:rPr lang="en-GB" sz="6500" b="1" dirty="0" err="1"/>
               <a:t>Mandrosoa</a:t>
             </a:r>
             <a:r>
-              <a:rPr lang="en-GB" sz="6500" b="1" dirty="0" smtClean="0">
-                <a:solidFill>
-                  <a:srgbClr val="FF0000"/>
-                </a:solidFill>
-              </a:rPr>
-              <a:t> </a:t>
-            </a:r>
-            <a:r>
-              <a:rPr lang="en-GB" sz="6500" b="1" dirty="0" err="1" smtClean="0">
-                <a:solidFill>
-                  <a:srgbClr val="FF0000"/>
-                </a:solidFill>
-              </a:rPr>
+              <a:rPr lang="en-GB" sz="6500" b="1" dirty="0"/>
+              <a:t> </a:t>
+            </a:r>
+            <a:r>
+              <a:rPr lang="en-GB" sz="6500" b="1" dirty="0" err="1"/>
               <a:t>amin’ny</a:t>
             </a:r>
             <a:r>
-              <a:rPr lang="en-GB" sz="6500" b="1" dirty="0" smtClean="0">
-                <a:solidFill>
-                  <a:srgbClr val="FF0000"/>
-                </a:solidFill>
-              </a:rPr>
+              <a:rPr lang="en-GB" sz="6500" b="1" dirty="0"/>
               <a:t>  </a:t>
             </a:r>
             <a:r>
-              <a:rPr lang="en-GB" sz="6500" b="1" dirty="0" err="1" smtClean="0">
-                <a:solidFill>
-                  <a:srgbClr val="FF0000"/>
-                </a:solidFill>
-              </a:rPr>
+              <a:rPr lang="en-GB" sz="6500" b="1" dirty="0" err="1"/>
               <a:t>lalina</a:t>
             </a:r>
             <a:r>
-              <a:rPr lang="en-GB" sz="6500" b="1" dirty="0" smtClean="0">
-                <a:solidFill>
-                  <a:srgbClr val="FF0000"/>
-                </a:solidFill>
-              </a:rPr>
-              <a:t> </a:t>
-            </a:r>
-            <a:r>
-              <a:rPr lang="en-GB" sz="6500" b="1" dirty="0" err="1" smtClean="0">
-                <a:solidFill>
-                  <a:srgbClr val="FF0000"/>
-                </a:solidFill>
-              </a:rPr>
+              <a:rPr lang="en-GB" sz="6500" b="1" dirty="0"/>
+              <a:t> </a:t>
+            </a:r>
+            <a:r>
+              <a:rPr lang="en-GB" sz="6500" b="1" dirty="0" err="1"/>
               <a:t>kokoa</a:t>
             </a:r>
             <a:r>
-              <a:rPr lang="en-GB" sz="6500" b="1" dirty="0" smtClean="0">
-                <a:solidFill>
-                  <a:srgbClr val="FF0000"/>
-                </a:solidFill>
-              </a:rPr>
+              <a:rPr lang="en-GB" sz="6500" b="1" dirty="0"/>
               <a:t>.</a:t>
             </a:r>
-            <a:endParaRPr lang="fr-FR" sz="6500" b="1" dirty="0">
-              <a:solidFill>
-                <a:srgbClr val="FF0000"/>
-              </a:solidFill>
-            </a:endParaRPr>
+            <a:endParaRPr lang="fr-FR" sz="6500" b="1" dirty="0"/>
           </a:p>
         </p:txBody>
       </p:sp>
@@ -4767,96 +4304,88 @@
           </a:bodyPr>
           <a:lstStyle/>
           <a:p>
-            <a:r>
-              <a:rPr lang="en-GB" dirty="0" smtClean="0"/>
-              <a:t/>
-            </a:r>
             <a:br>
-              <a:rPr lang="en-GB" dirty="0" smtClean="0"/>
+              <a:rPr lang="en-GB" dirty="0"/>
             </a:br>
             <a:r>
               <a:rPr lang="en-GB" sz="7200" b="1" dirty="0"/>
-              <a:t>1</a:t>
-            </a:r>
-            <a:r>
-              <a:rPr lang="en-GB" sz="7200" b="1" dirty="0" smtClean="0"/>
-              <a:t> .O ! </a:t>
-            </a:r>
-            <a:r>
-              <a:rPr lang="en-GB" sz="7200" b="1" dirty="0" err="1" smtClean="0"/>
+              <a:t>1 .O ! </a:t>
+            </a:r>
+            <a:r>
+              <a:rPr lang="en-GB" sz="7200" b="1" dirty="0" err="1"/>
               <a:t>mandrosoa</a:t>
             </a:r>
             <a:r>
-              <a:rPr lang="en-GB" sz="7200" b="1" dirty="0" smtClean="0"/>
+              <a:rPr lang="en-GB" sz="7200" b="1" dirty="0"/>
               <a:t>,</a:t>
             </a:r>
             <a:br>
-              <a:rPr lang="en-GB" sz="7200" b="1" dirty="0" smtClean="0"/>
+              <a:rPr lang="en-GB" sz="7200" b="1" dirty="0"/>
             </a:br>
             <a:r>
-              <a:rPr lang="en-GB" sz="7200" b="1" dirty="0" smtClean="0"/>
+              <a:rPr lang="en-GB" sz="7200" b="1" dirty="0"/>
               <a:t>         </a:t>
             </a:r>
             <a:r>
-              <a:rPr lang="en-GB" sz="7200" b="1" dirty="0" err="1" smtClean="0"/>
+              <a:rPr lang="en-GB" sz="7200" b="1" dirty="0" err="1"/>
               <a:t>ry</a:t>
             </a:r>
             <a:r>
-              <a:rPr lang="en-GB" sz="7200" b="1" dirty="0" smtClean="0"/>
-              <a:t> </a:t>
-            </a:r>
-            <a:r>
-              <a:rPr lang="en-GB" sz="7200" b="1" dirty="0" err="1" smtClean="0"/>
+              <a:rPr lang="en-GB" sz="7200" b="1" dirty="0"/>
+              <a:t> </a:t>
+            </a:r>
+            <a:r>
+              <a:rPr lang="en-GB" sz="7200" b="1" dirty="0" err="1"/>
               <a:t>mpanaraton’iJeso</a:t>
             </a:r>
             <a:r>
-              <a:rPr lang="en-GB" sz="7200" b="1" dirty="0" smtClean="0"/>
+              <a:rPr lang="en-GB" sz="7200" b="1" dirty="0"/>
               <a:t>,</a:t>
             </a:r>
             <a:br>
-              <a:rPr lang="en-GB" sz="7200" b="1" dirty="0" smtClean="0"/>
+              <a:rPr lang="en-GB" sz="7200" b="1" dirty="0"/>
             </a:br>
             <a:r>
-              <a:rPr lang="en-GB" sz="7200" b="1" dirty="0" smtClean="0"/>
+              <a:rPr lang="en-GB" sz="7200" b="1" dirty="0"/>
               <a:t>   </a:t>
             </a:r>
             <a:r>
-              <a:rPr lang="en-GB" sz="7200" b="1" i="1" dirty="0" err="1" smtClean="0"/>
+              <a:rPr lang="en-GB" sz="7200" b="1" i="1" dirty="0" err="1"/>
               <a:t>I</a:t>
             </a:r>
             <a:r>
-              <a:rPr lang="en-GB" sz="7200" b="1" dirty="0" err="1" smtClean="0"/>
+              <a:rPr lang="en-GB" sz="7200" b="1" dirty="0" err="1"/>
               <a:t>zay</a:t>
             </a:r>
             <a:r>
-              <a:rPr lang="en-GB" sz="7200" b="1" dirty="0" smtClean="0"/>
+              <a:rPr lang="en-GB" sz="7200" b="1" dirty="0"/>
               <a:t> no </a:t>
             </a:r>
             <a:r>
-              <a:rPr lang="en-GB" sz="7200" b="1" dirty="0" err="1" smtClean="0"/>
+              <a:rPr lang="en-GB" sz="7200" b="1" dirty="0" err="1"/>
               <a:t>baiko</a:t>
             </a:r>
             <a:r>
-              <a:rPr lang="en-GB" sz="7200" b="1" dirty="0" smtClean="0"/>
-              <a:t> </a:t>
-            </a:r>
-            <a:r>
-              <a:rPr lang="en-GB" sz="7200" b="1" dirty="0" err="1" smtClean="0"/>
+              <a:rPr lang="en-GB" sz="7200" b="1" dirty="0"/>
+              <a:t> </a:t>
+            </a:r>
+            <a:r>
+              <a:rPr lang="en-GB" sz="7200" b="1" dirty="0" err="1"/>
               <a:t>azontsika</a:t>
             </a:r>
             <a:r>
-              <a:rPr lang="en-GB" sz="7200" b="1" dirty="0" smtClean="0"/>
+              <a:rPr lang="en-GB" sz="7200" b="1" dirty="0"/>
               <a:t>,</a:t>
             </a:r>
             <a:br>
-              <a:rPr lang="en-GB" sz="7200" b="1" dirty="0" smtClean="0"/>
+              <a:rPr lang="en-GB" sz="7200" b="1" dirty="0"/>
             </a:br>
             <a:r>
-              <a:rPr lang="en-GB" sz="7200" b="1" dirty="0" smtClean="0"/>
+              <a:rPr lang="en-GB" sz="7200" b="1" dirty="0"/>
               <a:t> ka </a:t>
             </a:r>
             <a:r>
-              <a:rPr lang="en-GB" sz="7200" b="1" dirty="0" err="1" smtClean="0"/>
+              <a:rPr lang="en-GB" sz="7200" b="1" dirty="0" err="1"/>
               <a:t>mandrosoa</a:t>
             </a:r>
             <a:endParaRPr lang="fr-FR" dirty="0"/>
@@ -4868,13 +4397,6 @@
   <p:clrMapOvr>
     <a:masterClrMapping/>
   </p:clrMapOvr>
-  <p:timing>
-    <p:tnLst>
-      <p:par>
-        <p:cTn id="1" dur="indefinite" restart="never" nodeType="tmRoot"/>
-      </p:par>
-    </p:tnLst>
-  </p:timing>
 </p:sld>
 </file>
 
@@ -4918,100 +4440,96 @@
           <a:lstStyle/>
           <a:p>
             <a:r>
-              <a:rPr lang="en-GB" sz="6500" b="1" dirty="0" smtClean="0"/>
-              <a:t> </a:t>
-            </a:r>
-            <a:r>
-              <a:rPr lang="en-GB" sz="6500" b="1" dirty="0" err="1" smtClean="0"/>
+              <a:rPr lang="en-GB" sz="6500" b="1" dirty="0"/>
+              <a:t> </a:t>
+            </a:r>
+            <a:r>
+              <a:rPr lang="en-GB" sz="6500" b="1" dirty="0" err="1"/>
               <a:t>Jesosy</a:t>
             </a:r>
             <a:r>
-              <a:rPr lang="en-GB" sz="6500" b="1" dirty="0" smtClean="0"/>
-              <a:t> </a:t>
-            </a:r>
-            <a:r>
-              <a:rPr lang="en-GB" sz="6500" b="1" dirty="0" err="1" smtClean="0"/>
+              <a:rPr lang="en-GB" sz="6500" b="1" dirty="0"/>
+              <a:t> </a:t>
+            </a:r>
+            <a:r>
+              <a:rPr lang="en-GB" sz="6500" b="1" dirty="0" err="1"/>
               <a:t>Tompo</a:t>
             </a:r>
             <a:r>
-              <a:rPr lang="en-GB" sz="6500" b="1" dirty="0" smtClean="0"/>
+              <a:rPr lang="en-GB" sz="6500" b="1" dirty="0"/>
               <a:t> no </a:t>
             </a:r>
             <a:r>
-              <a:rPr lang="en-GB" sz="6500" b="1" dirty="0" err="1" smtClean="0"/>
+              <a:rPr lang="en-GB" sz="6500" b="1" dirty="0" err="1"/>
               <a:t>mibaiko</a:t>
             </a:r>
             <a:r>
-              <a:rPr lang="en-GB" sz="6500" b="1" dirty="0" smtClean="0"/>
+              <a:rPr lang="en-GB" sz="6500" b="1" dirty="0"/>
               <a:t>,</a:t>
             </a:r>
             <a:br>
-              <a:rPr lang="en-GB" sz="6500" b="1" dirty="0" smtClean="0"/>
+              <a:rPr lang="en-GB" sz="6500" b="1" dirty="0"/>
             </a:br>
             <a:r>
-              <a:rPr lang="en-GB" sz="6500" b="1" dirty="0" smtClean="0"/>
+              <a:rPr lang="en-GB" sz="6500" b="1" dirty="0"/>
               <a:t>   </a:t>
             </a:r>
             <a:r>
-              <a:rPr lang="en-GB" sz="6500" b="1" dirty="0" err="1" smtClean="0"/>
+              <a:rPr lang="en-GB" sz="6500" b="1" dirty="0" err="1"/>
               <a:t>mandrosoa</a:t>
             </a:r>
             <a:r>
-              <a:rPr lang="en-GB" sz="6500" b="1" dirty="0" smtClean="0"/>
+              <a:rPr lang="en-GB" sz="6500" b="1" dirty="0"/>
               <a:t> :</a:t>
             </a:r>
             <a:br>
-              <a:rPr lang="en-GB" sz="6500" b="1" dirty="0" smtClean="0"/>
+              <a:rPr lang="en-GB" sz="6500" b="1" dirty="0"/>
             </a:br>
             <a:r>
-              <a:rPr lang="en-GB" sz="6500" b="1" dirty="0" smtClean="0"/>
+              <a:rPr lang="en-GB" sz="6500" b="1" dirty="0"/>
               <a:t>   </a:t>
             </a:r>
             <a:r>
-              <a:rPr lang="en-GB" sz="6500" b="1" dirty="0" err="1" smtClean="0"/>
+              <a:rPr lang="en-GB" sz="6500" b="1" dirty="0" err="1"/>
               <a:t>Raiso</a:t>
             </a:r>
             <a:r>
-              <a:rPr lang="en-GB" sz="6500" b="1" dirty="0" smtClean="0"/>
+              <a:rPr lang="en-GB" sz="6500" b="1" dirty="0"/>
               <a:t> k</a:t>
             </a:r>
             <a:r>
-              <a:rPr lang="en-GB" sz="6500" b="1" i="1" dirty="0" smtClean="0"/>
+              <a:rPr lang="en-GB" sz="6500" b="1" i="1" dirty="0"/>
               <a:t>a</a:t>
             </a:r>
             <a:r>
-              <a:rPr lang="en-GB" sz="6500" b="1" dirty="0" smtClean="0"/>
+              <a:rPr lang="en-GB" sz="6500" b="1" dirty="0"/>
               <a:t>  </a:t>
             </a:r>
             <a:r>
-              <a:rPr lang="en-GB" sz="6500" b="1" dirty="0" err="1" smtClean="0"/>
+              <a:rPr lang="en-GB" sz="6500" b="1" dirty="0" err="1"/>
               <a:t>arotsahy</a:t>
             </a:r>
-            <a:r>
-              <a:rPr lang="en-GB" sz="6500" b="1" dirty="0" smtClean="0"/>
-              <a:t/>
-            </a:r>
             <a:br>
-              <a:rPr lang="en-GB" sz="6500" b="1" dirty="0" smtClean="0"/>
+              <a:rPr lang="en-GB" sz="6500" b="1" dirty="0"/>
             </a:br>
             <a:r>
-              <a:rPr lang="en-GB" sz="6500" b="1" dirty="0" smtClean="0"/>
+              <a:rPr lang="en-GB" sz="6500" b="1" dirty="0"/>
               <a:t>  </a:t>
             </a:r>
             <a:r>
-              <a:rPr lang="en-GB" sz="6500" b="1" dirty="0" err="1" smtClean="0"/>
+              <a:rPr lang="en-GB" sz="6500" b="1" dirty="0" err="1"/>
               <a:t>ny</a:t>
             </a:r>
             <a:r>
-              <a:rPr lang="en-GB" sz="6500" b="1" dirty="0" smtClean="0"/>
-              <a:t> </a:t>
-            </a:r>
-            <a:r>
-              <a:rPr lang="en-GB" sz="6500" b="1" dirty="0" err="1" smtClean="0"/>
+              <a:rPr lang="en-GB" sz="6500" b="1" dirty="0"/>
+              <a:t> </a:t>
+            </a:r>
+            <a:r>
+              <a:rPr lang="en-GB" sz="6500" b="1" dirty="0" err="1"/>
               <a:t>haratonao</a:t>
             </a:r>
             <a:r>
-              <a:rPr lang="en-GB" sz="6500" b="1" dirty="0" smtClean="0"/>
+              <a:rPr lang="en-GB" sz="6500" b="1" dirty="0"/>
               <a:t>.</a:t>
             </a:r>
             <a:endParaRPr lang="fr-FR" sz="6500" b="1" dirty="0"/>
@@ -5023,13 +4541,6 @@
   <p:clrMapOvr>
     <a:masterClrMapping/>
   </p:clrMapOvr>
-  <p:timing>
-    <p:tnLst>
-      <p:par>
-        <p:cTn id="1" dur="indefinite" restart="never" nodeType="tmRoot"/>
-      </p:par>
-    </p:tnLst>
-  </p:timing>
 </p:sld>
 </file>
 
@@ -5073,80 +4584,76 @@
           <a:lstStyle/>
           <a:p>
             <a:r>
-              <a:rPr lang="en-GB" sz="6500" b="1" dirty="0" err="1" smtClean="0"/>
+              <a:rPr lang="en-GB" sz="6500" b="1" dirty="0" err="1"/>
               <a:t>Miaingà</a:t>
             </a:r>
             <a:r>
-              <a:rPr lang="en-GB" sz="6500" b="1" dirty="0" smtClean="0"/>
+              <a:rPr lang="en-GB" sz="6500" b="1" dirty="0"/>
               <a:t>, </a:t>
             </a:r>
             <a:r>
-              <a:rPr lang="en-GB" sz="6500" b="1" dirty="0" err="1" smtClean="0"/>
+              <a:rPr lang="en-GB" sz="6500" b="1" dirty="0" err="1"/>
               <a:t>namako</a:t>
             </a:r>
             <a:r>
-              <a:rPr lang="en-GB" sz="6500" b="1" dirty="0" smtClean="0"/>
+              <a:rPr lang="en-GB" sz="6500" b="1" dirty="0"/>
               <a:t> ô !</a:t>
             </a:r>
             <a:br>
-              <a:rPr lang="en-GB" sz="6500" b="1" dirty="0" smtClean="0"/>
+              <a:rPr lang="en-GB" sz="6500" b="1" dirty="0"/>
             </a:br>
             <a:r>
-              <a:rPr lang="en-GB" sz="6500" b="1" dirty="0" smtClean="0"/>
-              <a:t> </a:t>
-            </a:r>
-            <a:r>
-              <a:rPr lang="en-GB" sz="6500" b="1" dirty="0" err="1" smtClean="0"/>
+              <a:rPr lang="en-GB" sz="6500" b="1" dirty="0"/>
+              <a:t> </a:t>
+            </a:r>
+            <a:r>
+              <a:rPr lang="en-GB" sz="6500" b="1" dirty="0" err="1"/>
               <a:t>Jeso</a:t>
             </a:r>
             <a:r>
-              <a:rPr lang="en-GB" sz="6500" b="1" dirty="0" smtClean="0"/>
+              <a:rPr lang="en-GB" sz="6500" b="1" dirty="0"/>
               <a:t> no </a:t>
             </a:r>
             <a:r>
-              <a:rPr lang="en-GB" sz="6500" b="1" dirty="0" err="1" smtClean="0"/>
+              <a:rPr lang="en-GB" sz="6500" b="1" dirty="0" err="1"/>
               <a:t>mibaiko</a:t>
             </a:r>
-            <a:r>
-              <a:rPr lang="en-GB" sz="6500" b="1" dirty="0" smtClean="0"/>
-              <a:t/>
-            </a:r>
             <a:br>
-              <a:rPr lang="en-GB" sz="6500" b="1" dirty="0" smtClean="0"/>
+              <a:rPr lang="en-GB" sz="6500" b="1" dirty="0"/>
             </a:br>
             <a:r>
-              <a:rPr lang="en-GB" sz="6500" b="1" dirty="0" smtClean="0"/>
+              <a:rPr lang="en-GB" sz="6500" b="1" dirty="0"/>
               <a:t>  </a:t>
             </a:r>
             <a:r>
-              <a:rPr lang="en-GB" sz="6500" b="1" dirty="0" err="1" smtClean="0"/>
+              <a:rPr lang="en-GB" sz="6500" b="1" dirty="0" err="1"/>
               <a:t>Mandrosoa,mandrosoa</a:t>
             </a:r>
             <a:r>
-              <a:rPr lang="en-GB" sz="6500" b="1" dirty="0" smtClean="0"/>
+              <a:rPr lang="en-GB" sz="6500" b="1" dirty="0"/>
               <a:t>,</a:t>
             </a:r>
             <a:br>
-              <a:rPr lang="en-GB" sz="6500" b="1" dirty="0" smtClean="0"/>
+              <a:rPr lang="en-GB" sz="6500" b="1" dirty="0"/>
             </a:br>
             <a:r>
-              <a:rPr lang="en-GB" sz="6500" b="1" dirty="0" smtClean="0"/>
+              <a:rPr lang="en-GB" sz="6500" b="1" dirty="0"/>
               <a:t>      </a:t>
             </a:r>
             <a:r>
-              <a:rPr lang="en-GB" sz="6500" b="1" dirty="0" err="1" smtClean="0"/>
+              <a:rPr lang="en-GB" sz="6500" b="1" dirty="0" err="1"/>
               <a:t>mandrosoa</a:t>
             </a:r>
             <a:r>
-              <a:rPr lang="en-GB" sz="6500" b="1" dirty="0" smtClean="0"/>
-              <a:t> </a:t>
-            </a:r>
-            <a:r>
-              <a:rPr lang="en-GB" sz="6500" b="1" dirty="0" err="1" smtClean="0"/>
+              <a:rPr lang="en-GB" sz="6500" b="1" dirty="0"/>
+              <a:t> </a:t>
+            </a:r>
+            <a:r>
+              <a:rPr lang="en-GB" sz="6500" b="1" dirty="0" err="1"/>
               <a:t>tokoa</a:t>
             </a:r>
             <a:r>
-              <a:rPr lang="en-GB" sz="6500" b="1" dirty="0" smtClean="0"/>
+              <a:rPr lang="en-GB" sz="6500" b="1" dirty="0"/>
               <a:t> ;</a:t>
             </a:r>
             <a:endParaRPr lang="fr-FR" sz="6500" b="1" dirty="0"/>
@@ -5158,13 +4665,6 @@
   <p:clrMapOvr>
     <a:masterClrMapping/>
   </p:clrMapOvr>
-  <p:timing>
-    <p:tnLst>
-      <p:par>
-        <p:cTn id="1" dur="indefinite" restart="never" nodeType="tmRoot"/>
-      </p:par>
-    </p:tnLst>
-  </p:timing>
 </p:sld>
 </file>
 
@@ -5208,109 +4708,109 @@
           <a:lstStyle/>
           <a:p>
             <a:r>
-              <a:rPr lang="en-GB" sz="6500" b="1" dirty="0" err="1" smtClean="0"/>
+              <a:rPr lang="en-GB" sz="6500" b="1" dirty="0" err="1"/>
               <a:t>Aza</a:t>
             </a:r>
             <a:r>
-              <a:rPr lang="en-GB" sz="6500" b="1" dirty="0" smtClean="0"/>
-              <a:t> </a:t>
-            </a:r>
-            <a:r>
-              <a:rPr lang="en-GB" sz="6500" b="1" dirty="0" err="1" smtClean="0"/>
+              <a:rPr lang="en-GB" sz="6500" b="1" dirty="0"/>
+              <a:t> </a:t>
+            </a:r>
+            <a:r>
+              <a:rPr lang="en-GB" sz="6500" b="1" dirty="0" err="1"/>
               <a:t>kivy</a:t>
             </a:r>
             <a:r>
-              <a:rPr lang="en-GB" sz="6500" b="1" dirty="0" smtClean="0"/>
-              <a:t> </a:t>
-            </a:r>
-            <a:r>
-              <a:rPr lang="en-GB" sz="6500" b="1" dirty="0" err="1" smtClean="0"/>
+              <a:rPr lang="en-GB" sz="6500" b="1" dirty="0"/>
+              <a:t> </a:t>
+            </a:r>
+            <a:r>
+              <a:rPr lang="en-GB" sz="6500" b="1" dirty="0" err="1"/>
               <a:t>ko</a:t>
             </a:r>
             <a:r>
-              <a:rPr lang="en-GB" sz="6500" b="1" i="1" dirty="0" err="1" smtClean="0"/>
+              <a:rPr lang="en-GB" sz="6500" b="1" i="1" dirty="0" err="1"/>
               <a:t>a</a:t>
             </a:r>
             <a:r>
-              <a:rPr lang="en-GB" sz="6500" b="1" dirty="0" smtClean="0"/>
+              <a:rPr lang="en-GB" sz="6500" b="1" dirty="0"/>
               <a:t>,</a:t>
             </a:r>
             <a:br>
-              <a:rPr lang="en-GB" sz="6500" b="1" dirty="0" smtClean="0"/>
+              <a:rPr lang="en-GB" sz="6500" b="1" dirty="0"/>
             </a:br>
             <a:r>
-              <a:rPr lang="en-GB" sz="6500" b="1" dirty="0" smtClean="0"/>
+              <a:rPr lang="en-GB" sz="6500" b="1" dirty="0"/>
               <a:t>    </a:t>
             </a:r>
             <a:r>
-              <a:rPr lang="en-GB" sz="6500" b="1" dirty="0" err="1" smtClean="0"/>
+              <a:rPr lang="en-GB" sz="6500" b="1" dirty="0" err="1"/>
               <a:t>na</a:t>
             </a:r>
             <a:r>
-              <a:rPr lang="en-GB" sz="6500" b="1" dirty="0" smtClean="0"/>
-              <a:t> </a:t>
-            </a:r>
-            <a:r>
-              <a:rPr lang="en-GB" sz="6500" b="1" dirty="0" err="1" smtClean="0"/>
+              <a:rPr lang="en-GB" sz="6500" b="1" dirty="0"/>
+              <a:t> </a:t>
+            </a:r>
+            <a:r>
+              <a:rPr lang="en-GB" sz="6500" b="1" dirty="0" err="1"/>
               <a:t>di</a:t>
             </a:r>
             <a:r>
-              <a:rPr lang="en-GB" sz="6500" b="1" i="1" dirty="0" err="1" smtClean="0"/>
+              <a:rPr lang="en-GB" sz="6500" b="1" i="1" dirty="0" err="1"/>
               <a:t>a</a:t>
             </a:r>
             <a:r>
-              <a:rPr lang="en-GB" sz="6500" b="1" dirty="0" smtClean="0"/>
+              <a:rPr lang="en-GB" sz="6500" b="1" dirty="0"/>
               <a:t>  </a:t>
             </a:r>
             <a:r>
-              <a:rPr lang="en-GB" sz="6500" b="1" dirty="0" err="1" smtClean="0"/>
+              <a:rPr lang="en-GB" sz="6500" b="1" dirty="0" err="1"/>
               <a:t>tsy</a:t>
             </a:r>
             <a:r>
-              <a:rPr lang="en-GB" sz="6500" b="1" dirty="0" smtClean="0"/>
-              <a:t> </a:t>
-            </a:r>
-            <a:r>
-              <a:rPr lang="en-GB" sz="6500" b="1" dirty="0" err="1" smtClean="0"/>
+              <a:rPr lang="en-GB" sz="6500" b="1" dirty="0"/>
+              <a:t> </a:t>
+            </a:r>
+            <a:r>
+              <a:rPr lang="en-GB" sz="6500" b="1" dirty="0" err="1"/>
               <a:t>mahazo</a:t>
             </a:r>
             <a:r>
-              <a:rPr lang="en-GB" sz="6500" b="1" dirty="0" smtClean="0"/>
+              <a:rPr lang="en-GB" sz="6500" b="1" dirty="0"/>
               <a:t>:</a:t>
             </a:r>
             <a:br>
-              <a:rPr lang="en-GB" sz="6500" b="1" dirty="0" smtClean="0"/>
+              <a:rPr lang="en-GB" sz="6500" b="1" dirty="0"/>
             </a:br>
             <a:r>
-              <a:rPr lang="en-GB" sz="6500" b="1" dirty="0" err="1" smtClean="0"/>
+              <a:rPr lang="en-GB" sz="6500" b="1" dirty="0" err="1"/>
               <a:t>Mandrosoa</a:t>
             </a:r>
             <a:r>
-              <a:rPr lang="en-GB" sz="6500" b="1" dirty="0" smtClean="0"/>
-              <a:t> </a:t>
-            </a:r>
-            <a:r>
-              <a:rPr lang="en-GB" sz="6500" b="1" dirty="0" err="1" smtClean="0"/>
+              <a:rPr lang="en-GB" sz="6500" b="1" dirty="0"/>
+              <a:t> </a:t>
+            </a:r>
+            <a:r>
+              <a:rPr lang="en-GB" sz="6500" b="1" dirty="0" err="1"/>
               <a:t>amin’ny</a:t>
             </a:r>
             <a:r>
-              <a:rPr lang="en-GB" sz="6500" b="1" dirty="0" smtClean="0"/>
+              <a:rPr lang="en-GB" sz="6500" b="1" dirty="0"/>
               <a:t>  </a:t>
             </a:r>
             <a:r>
-              <a:rPr lang="en-GB" sz="6500" b="1" dirty="0" err="1" smtClean="0"/>
+              <a:rPr lang="en-GB" sz="6500" b="1" dirty="0" err="1"/>
               <a:t>lalina</a:t>
             </a:r>
             <a:r>
-              <a:rPr lang="en-GB" sz="6500" b="1" dirty="0" smtClean="0"/>
-              <a:t> </a:t>
-            </a:r>
-            <a:r>
-              <a:rPr lang="en-GB" sz="6500" b="1" dirty="0" err="1" smtClean="0"/>
+              <a:rPr lang="en-GB" sz="6500" b="1" dirty="0"/>
+              <a:t> </a:t>
+            </a:r>
+            <a:r>
+              <a:rPr lang="en-GB" sz="6500" b="1" dirty="0" err="1"/>
               <a:t>kokoa</a:t>
             </a:r>
             <a:r>
-              <a:rPr lang="en-GB" sz="6500" b="1" dirty="0" smtClean="0"/>
+              <a:rPr lang="en-GB" sz="6500" b="1" dirty="0"/>
               <a:t>.</a:t>
             </a:r>
             <a:endParaRPr lang="fr-FR" sz="6500" b="1" dirty="0"/>
@@ -5322,13 +4822,6 @@
   <p:clrMapOvr>
     <a:masterClrMapping/>
   </p:clrMapOvr>
-  <p:timing>
-    <p:tnLst>
-      <p:par>
-        <p:cTn id="1" dur="indefinite" restart="never" nodeType="tmRoot"/>
-      </p:par>
-    </p:tnLst>
-  </p:timing>
 </p:sld>
 </file>
 
@@ -5372,34 +4865,34 @@
           <a:lstStyle/>
           <a:p>
             <a:r>
-              <a:rPr lang="en-GB" sz="6500" b="1" dirty="0" smtClean="0"/>
+              <a:rPr lang="en-GB" sz="6500" b="1" dirty="0"/>
               <a:t>2. O ! </a:t>
             </a:r>
             <a:r>
-              <a:rPr lang="en-GB" sz="6500" b="1" dirty="0" err="1" smtClean="0"/>
+              <a:rPr lang="en-GB" sz="6500" b="1" dirty="0" err="1"/>
               <a:t>mandrosoa</a:t>
             </a:r>
             <a:r>
-              <a:rPr lang="en-GB" sz="6500" b="1" dirty="0" smtClean="0"/>
+              <a:rPr lang="en-GB" sz="6500" b="1" dirty="0"/>
               <a:t>,</a:t>
             </a:r>
             <a:br>
-              <a:rPr lang="en-GB" sz="6500" b="1" dirty="0" smtClean="0"/>
+              <a:rPr lang="en-GB" sz="6500" b="1" dirty="0"/>
             </a:br>
             <a:r>
-              <a:rPr lang="en-GB" sz="6500" b="1" dirty="0" smtClean="0"/>
+              <a:rPr lang="en-GB" sz="6500" b="1" dirty="0"/>
               <a:t>        </a:t>
             </a:r>
             <a:r>
-              <a:rPr lang="en-GB" sz="6500" b="1" dirty="0" err="1" smtClean="0"/>
+              <a:rPr lang="en-GB" sz="6500" b="1" dirty="0" err="1"/>
               <a:t>ry</a:t>
             </a:r>
             <a:r>
-              <a:rPr lang="en-GB" sz="6500" b="1" dirty="0" smtClean="0"/>
-              <a:t> </a:t>
-            </a:r>
-            <a:r>
-              <a:rPr lang="en-GB" sz="6500" b="1" dirty="0" err="1" smtClean="0"/>
+              <a:rPr lang="en-GB" sz="6500" b="1" dirty="0"/>
+              <a:t> </a:t>
+            </a:r>
+            <a:r>
+              <a:rPr lang="en-GB" sz="6500" b="1" dirty="0" err="1"/>
               <a:t>mpanaraton’i</a:t>
             </a:r>
             <a:r>
@@ -5407,61 +4900,57 @@
               <a:t> </a:t>
             </a:r>
             <a:r>
-              <a:rPr lang="en-GB" sz="6500" b="1" dirty="0" err="1" smtClean="0"/>
+              <a:rPr lang="en-GB" sz="6500" b="1" dirty="0" err="1"/>
               <a:t>Jeso</a:t>
             </a:r>
             <a:r>
-              <a:rPr lang="en-GB" sz="6500" b="1" dirty="0" smtClean="0"/>
+              <a:rPr lang="en-GB" sz="6500" b="1" dirty="0"/>
               <a:t>,</a:t>
             </a:r>
             <a:br>
-              <a:rPr lang="en-GB" sz="6500" b="1" dirty="0" smtClean="0"/>
+              <a:rPr lang="en-GB" sz="6500" b="1" dirty="0"/>
             </a:br>
             <a:r>
-              <a:rPr lang="en-GB" sz="6500" b="1" dirty="0" smtClean="0"/>
-              <a:t> </a:t>
-            </a:r>
-            <a:r>
-              <a:rPr lang="en-GB" sz="6500" b="1" dirty="0" err="1" smtClean="0"/>
+              <a:rPr lang="en-GB" sz="6500" b="1" dirty="0"/>
+              <a:t> </a:t>
+            </a:r>
+            <a:r>
+              <a:rPr lang="en-GB" sz="6500" b="1" dirty="0" err="1"/>
               <a:t>Saina</a:t>
             </a:r>
             <a:r>
-              <a:rPr lang="en-GB" sz="6500" b="1" dirty="0" smtClean="0"/>
-              <a:t> </a:t>
-            </a:r>
-            <a:r>
-              <a:rPr lang="en-GB" sz="6500" b="1" dirty="0" err="1" smtClean="0"/>
+              <a:rPr lang="en-GB" sz="6500" b="1" dirty="0"/>
+              <a:t> </a:t>
+            </a:r>
+            <a:r>
+              <a:rPr lang="en-GB" sz="6500" b="1" dirty="0" err="1"/>
               <a:t>mora</a:t>
             </a:r>
             <a:r>
-              <a:rPr lang="en-GB" sz="6500" b="1" dirty="0" smtClean="0"/>
-              <a:t> </a:t>
-            </a:r>
-            <a:r>
-              <a:rPr lang="en-GB" sz="6500" b="1" dirty="0" err="1" smtClean="0"/>
+              <a:rPr lang="en-GB" sz="6500" b="1" dirty="0"/>
+              <a:t> </a:t>
+            </a:r>
+            <a:r>
+              <a:rPr lang="en-GB" sz="6500" b="1" dirty="0" err="1"/>
               <a:t>kivy</a:t>
             </a:r>
-            <a:r>
-              <a:rPr lang="en-GB" sz="6500" b="1" dirty="0" smtClean="0"/>
-              <a:t/>
-            </a:r>
             <a:br>
-              <a:rPr lang="en-GB" sz="6500" b="1" dirty="0" smtClean="0"/>
+              <a:rPr lang="en-GB" sz="6500" b="1" dirty="0"/>
             </a:br>
             <a:r>
-              <a:rPr lang="en-GB" sz="6500" b="1" dirty="0" smtClean="0"/>
+              <a:rPr lang="en-GB" sz="6500" b="1" dirty="0"/>
               <a:t>  </a:t>
             </a:r>
             <a:r>
-              <a:rPr lang="en-GB" sz="6500" b="1" dirty="0" err="1" smtClean="0"/>
+              <a:rPr lang="en-GB" sz="6500" b="1" dirty="0" err="1"/>
               <a:t>aoka</a:t>
             </a:r>
             <a:r>
-              <a:rPr lang="en-GB" sz="6500" b="1" dirty="0" smtClean="0"/>
+              <a:rPr lang="en-GB" sz="6500" b="1" dirty="0"/>
               <a:t> ho </a:t>
             </a:r>
             <a:r>
-              <a:rPr lang="en-GB" sz="6500" b="1" dirty="0" err="1" smtClean="0"/>
+              <a:rPr lang="en-GB" sz="6500" b="1" dirty="0" err="1"/>
               <a:t>lavinao</a:t>
             </a:r>
             <a:endParaRPr lang="fr-FR" sz="6500" b="1" dirty="0"/>
@@ -5473,13 +4962,6 @@
   <p:clrMapOvr>
     <a:masterClrMapping/>
   </p:clrMapOvr>
-  <p:timing>
-    <p:tnLst>
-      <p:par>
-        <p:cTn id="1" dur="indefinite" restart="never" nodeType="tmRoot"/>
-      </p:par>
-    </p:tnLst>
-  </p:timing>
 </p:sld>
 </file>
 
@@ -5523,105 +5005,97 @@
           <a:lstStyle/>
           <a:p>
             <a:r>
-              <a:rPr lang="en-GB" sz="6500" b="1" dirty="0" err="1" smtClean="0"/>
+              <a:rPr lang="en-GB" sz="6500" b="1" dirty="0" err="1"/>
               <a:t>Ny</a:t>
             </a:r>
             <a:r>
-              <a:rPr lang="en-GB" sz="6500" b="1" dirty="0" smtClean="0"/>
-              <a:t> </a:t>
-            </a:r>
-            <a:r>
-              <a:rPr lang="en-GB" sz="6500" b="1" dirty="0" err="1" smtClean="0"/>
+              <a:rPr lang="en-GB" sz="6500" b="1" dirty="0"/>
+              <a:t> </a:t>
+            </a:r>
+            <a:r>
+              <a:rPr lang="en-GB" sz="6500" b="1" dirty="0" err="1"/>
               <a:t>mora</a:t>
             </a:r>
             <a:r>
-              <a:rPr lang="en-GB" sz="6500" b="1" dirty="0" smtClean="0"/>
-              <a:t> </a:t>
-            </a:r>
-            <a:r>
-              <a:rPr lang="en-GB" sz="6500" b="1" dirty="0" err="1" smtClean="0"/>
+              <a:rPr lang="en-GB" sz="6500" b="1" dirty="0"/>
+              <a:t> </a:t>
+            </a:r>
+            <a:r>
+              <a:rPr lang="en-GB" sz="6500" b="1" dirty="0" err="1"/>
               <a:t>kivy</a:t>
             </a:r>
-            <a:r>
-              <a:rPr lang="en-GB" sz="6500" b="1" dirty="0" smtClean="0"/>
-              <a:t/>
-            </a:r>
             <a:br>
-              <a:rPr lang="en-GB" sz="6500" b="1" dirty="0" smtClean="0"/>
+              <a:rPr lang="en-GB" sz="6500" b="1" dirty="0"/>
             </a:br>
             <a:r>
-              <a:rPr lang="en-GB" sz="6500" b="1" dirty="0" smtClean="0"/>
+              <a:rPr lang="en-GB" sz="6500" b="1" dirty="0"/>
               <a:t>     </a:t>
             </a:r>
             <a:r>
-              <a:rPr lang="en-GB" sz="6500" b="1" dirty="0" err="1" smtClean="0"/>
+              <a:rPr lang="en-GB" sz="6500" b="1" dirty="0" err="1"/>
               <a:t>dia</a:t>
             </a:r>
             <a:r>
-              <a:rPr lang="en-GB" sz="6500" b="1" dirty="0" smtClean="0"/>
-              <a:t> </a:t>
-            </a:r>
-            <a:r>
-              <a:rPr lang="en-GB" sz="6500" b="1" dirty="0" err="1" smtClean="0"/>
+              <a:rPr lang="en-GB" sz="6500" b="1" dirty="0"/>
+              <a:t> </a:t>
+            </a:r>
+            <a:r>
+              <a:rPr lang="en-GB" sz="6500" b="1" dirty="0" err="1"/>
               <a:t>hanenina</a:t>
             </a:r>
             <a:r>
-              <a:rPr lang="en-GB" sz="6500" b="1" dirty="0" smtClean="0"/>
-              <a:t> </a:t>
-            </a:r>
-            <a:r>
-              <a:rPr lang="en-GB" sz="6500" b="1" dirty="0" err="1" smtClean="0"/>
+              <a:rPr lang="en-GB" sz="6500" b="1" dirty="0"/>
+              <a:t> </a:t>
+            </a:r>
+            <a:r>
+              <a:rPr lang="en-GB" sz="6500" b="1" dirty="0" err="1"/>
               <a:t>tokoa</a:t>
             </a:r>
             <a:r>
-              <a:rPr lang="en-GB" sz="6500" b="1" dirty="0" smtClean="0"/>
-              <a:t> </a:t>
-            </a:r>
-            <a:r>
-              <a:rPr lang="en-GB" sz="6500" b="1" dirty="0" err="1" smtClean="0"/>
+              <a:rPr lang="en-GB" sz="6500" b="1" dirty="0"/>
+              <a:t> </a:t>
+            </a:r>
+            <a:r>
+              <a:rPr lang="en-GB" sz="6500" b="1" dirty="0" err="1"/>
               <a:t>Raiso</a:t>
             </a:r>
             <a:r>
-              <a:rPr lang="en-GB" sz="6500" b="1" dirty="0" smtClean="0"/>
+              <a:rPr lang="en-GB" sz="6500" b="1" dirty="0"/>
               <a:t> k</a:t>
             </a:r>
             <a:r>
-              <a:rPr lang="en-GB" sz="6500" b="1" i="1" dirty="0" smtClean="0"/>
+              <a:rPr lang="en-GB" sz="6500" b="1" i="1" dirty="0"/>
               <a:t>a</a:t>
             </a:r>
             <a:r>
-              <a:rPr lang="en-GB" sz="6500" b="1" dirty="0" smtClean="0"/>
+              <a:rPr lang="en-GB" sz="6500" b="1" dirty="0"/>
               <a:t>  </a:t>
             </a:r>
             <a:r>
-              <a:rPr lang="en-GB" sz="6500" b="1" dirty="0" err="1" smtClean="0"/>
+              <a:rPr lang="en-GB" sz="6500" b="1" dirty="0" err="1"/>
               <a:t>arotsahy</a:t>
             </a:r>
-            <a:r>
-              <a:rPr lang="en-GB" sz="6500" b="1" dirty="0" smtClean="0"/>
-              <a:t/>
-            </a:r>
             <a:br>
-              <a:rPr lang="en-GB" sz="6500" b="1" dirty="0" smtClean="0"/>
+              <a:rPr lang="en-GB" sz="6500" b="1" dirty="0"/>
             </a:br>
             <a:r>
-              <a:rPr lang="en-GB" sz="6500" b="1" dirty="0" smtClean="0"/>
+              <a:rPr lang="en-GB" sz="6500" b="1" dirty="0"/>
               <a:t>  </a:t>
             </a:r>
             <a:r>
-              <a:rPr lang="en-GB" sz="6500" b="1" dirty="0" err="1" smtClean="0"/>
+              <a:rPr lang="en-GB" sz="6500" b="1" dirty="0" err="1"/>
               <a:t>ny</a:t>
             </a:r>
             <a:r>
-              <a:rPr lang="en-GB" sz="6500" b="1" dirty="0" smtClean="0"/>
-              <a:t> </a:t>
-            </a:r>
-            <a:r>
-              <a:rPr lang="en-GB" sz="6500" b="1" dirty="0" err="1" smtClean="0"/>
+              <a:rPr lang="en-GB" sz="6500" b="1" dirty="0"/>
+              <a:t> </a:t>
+            </a:r>
+            <a:r>
+              <a:rPr lang="en-GB" sz="6500" b="1" dirty="0" err="1"/>
               <a:t>haratonao</a:t>
             </a:r>
             <a:r>
-              <a:rPr lang="en-GB" sz="6500" b="1" dirty="0" smtClean="0"/>
+              <a:rPr lang="en-GB" sz="6500" b="1" dirty="0"/>
               <a:t>.</a:t>
             </a:r>
             <a:endParaRPr lang="fr-FR" sz="6500" b="1" dirty="0"/>
@@ -5633,13 +5107,6 @@
   <p:clrMapOvr>
     <a:masterClrMapping/>
   </p:clrMapOvr>
-  <p:timing>
-    <p:tnLst>
-      <p:par>
-        <p:cTn id="1" dur="indefinite" restart="never" nodeType="tmRoot"/>
-      </p:par>
-    </p:tnLst>
-  </p:timing>
 </p:sld>
 </file>
 
@@ -5683,167 +5150,79 @@
           <a:lstStyle/>
           <a:p>
             <a:r>
-              <a:rPr lang="en-GB" sz="6500" b="1" dirty="0" err="1" smtClean="0">
-                <a:solidFill>
-                  <a:srgbClr val="FF0000"/>
-                </a:solidFill>
-              </a:rPr>
+              <a:rPr lang="en-GB" sz="6500" b="1" dirty="0" err="1"/>
               <a:t>Miaingà</a:t>
             </a:r>
             <a:r>
-              <a:rPr lang="en-GB" sz="6500" b="1" dirty="0" smtClean="0">
-                <a:solidFill>
-                  <a:srgbClr val="FF0000"/>
-                </a:solidFill>
-              </a:rPr>
+              <a:rPr lang="en-GB" sz="6500" b="1" dirty="0"/>
               <a:t>, </a:t>
             </a:r>
             <a:r>
-              <a:rPr lang="en-GB" sz="6500" b="1" dirty="0" err="1" smtClean="0">
-                <a:solidFill>
-                  <a:srgbClr val="FF0000"/>
-                </a:solidFill>
-              </a:rPr>
+              <a:rPr lang="en-GB" sz="6500" b="1" dirty="0" err="1"/>
               <a:t>namako</a:t>
             </a:r>
             <a:r>
-              <a:rPr lang="en-GB" sz="6500" b="1" dirty="0" smtClean="0">
-                <a:solidFill>
-                  <a:srgbClr val="FF0000"/>
-                </a:solidFill>
-              </a:rPr>
+              <a:rPr lang="en-GB" sz="6500" b="1" dirty="0"/>
               <a:t> ô !</a:t>
             </a:r>
             <a:br>
-              <a:rPr lang="en-GB" sz="6500" b="1" dirty="0" smtClean="0">
-                <a:solidFill>
-                  <a:srgbClr val="FF0000"/>
-                </a:solidFill>
-              </a:rPr>
+              <a:rPr lang="en-GB" sz="6500" b="1" dirty="0"/>
             </a:br>
             <a:r>
-              <a:rPr lang="en-GB" sz="6500" b="1" dirty="0" smtClean="0">
-                <a:solidFill>
-                  <a:srgbClr val="FF0000"/>
-                </a:solidFill>
-              </a:rPr>
-              <a:t> </a:t>
-            </a:r>
-            <a:r>
-              <a:rPr lang="en-GB" sz="6500" b="1" dirty="0" err="1" smtClean="0">
-                <a:solidFill>
-                  <a:srgbClr val="FF0000"/>
-                </a:solidFill>
-              </a:rPr>
+              <a:rPr lang="en-GB" sz="6500" b="1" dirty="0"/>
+              <a:t> </a:t>
+            </a:r>
+            <a:r>
+              <a:rPr lang="en-GB" sz="6500" b="1" dirty="0" err="1"/>
               <a:t>Jeso</a:t>
             </a:r>
             <a:r>
-              <a:rPr lang="en-GB" sz="6500" b="1" dirty="0" smtClean="0">
-                <a:solidFill>
-                  <a:srgbClr val="FF0000"/>
-                </a:solidFill>
-              </a:rPr>
+              <a:rPr lang="en-GB" sz="6500" b="1" dirty="0"/>
               <a:t> no </a:t>
             </a:r>
             <a:r>
-              <a:rPr lang="en-GB" sz="6500" b="1" dirty="0" err="1" smtClean="0">
-                <a:solidFill>
-                  <a:srgbClr val="FF0000"/>
-                </a:solidFill>
-              </a:rPr>
+              <a:rPr lang="en-GB" sz="6500" b="1" dirty="0" err="1"/>
               <a:t>mibaiko</a:t>
             </a:r>
-            <a:r>
-              <a:rPr lang="en-GB" sz="6500" b="1" dirty="0" smtClean="0">
-                <a:solidFill>
-                  <a:srgbClr val="FF0000"/>
-                </a:solidFill>
-              </a:rPr>
-              <a:t/>
-            </a:r>
             <a:br>
-              <a:rPr lang="en-GB" sz="6500" b="1" dirty="0" smtClean="0">
-                <a:solidFill>
-                  <a:srgbClr val="FF0000"/>
-                </a:solidFill>
-              </a:rPr>
+              <a:rPr lang="en-GB" sz="6500" b="1" dirty="0"/>
             </a:br>
             <a:r>
-              <a:rPr lang="en-GB" sz="6500" b="1" dirty="0" smtClean="0">
-                <a:solidFill>
-                  <a:srgbClr val="FF0000"/>
-                </a:solidFill>
-              </a:rPr>
+              <a:rPr lang="en-GB" sz="6500" b="1" dirty="0"/>
               <a:t>  </a:t>
             </a:r>
             <a:r>
-              <a:rPr lang="en-GB" sz="6500" b="1" dirty="0" err="1" smtClean="0">
-                <a:solidFill>
-                  <a:srgbClr val="FF0000"/>
-                </a:solidFill>
-              </a:rPr>
+              <a:rPr lang="en-GB" sz="6500" b="1" dirty="0" err="1"/>
               <a:t>Mandrosoa,mandrosoa</a:t>
             </a:r>
             <a:r>
-              <a:rPr lang="en-GB" sz="6500" b="1" dirty="0" smtClean="0">
-                <a:solidFill>
-                  <a:srgbClr val="FF0000"/>
-                </a:solidFill>
-              </a:rPr>
+              <a:rPr lang="en-GB" sz="6500" b="1" dirty="0"/>
               <a:t>,</a:t>
             </a:r>
             <a:br>
-              <a:rPr lang="en-GB" sz="6500" b="1" dirty="0" smtClean="0">
-                <a:solidFill>
-                  <a:srgbClr val="FF0000"/>
-                </a:solidFill>
-              </a:rPr>
+              <a:rPr lang="en-GB" sz="6500" b="1" dirty="0"/>
             </a:br>
             <a:r>
-              <a:rPr lang="en-GB" sz="6500" b="1" dirty="0" smtClean="0">
-                <a:solidFill>
-                  <a:srgbClr val="FF0000"/>
-                </a:solidFill>
-              </a:rPr>
+              <a:rPr lang="en-GB" sz="6500" b="1" dirty="0"/>
               <a:t>      </a:t>
             </a:r>
             <a:r>
-              <a:rPr lang="en-GB" sz="6500" b="1" dirty="0" err="1" smtClean="0">
-                <a:solidFill>
-                  <a:srgbClr val="FF0000"/>
-                </a:solidFill>
-              </a:rPr>
+              <a:rPr lang="en-GB" sz="6500" b="1" dirty="0" err="1"/>
               <a:t>mandrosoa</a:t>
             </a:r>
             <a:r>
-              <a:rPr lang="en-GB" sz="6500" b="1" dirty="0" smtClean="0">
-                <a:solidFill>
-                  <a:srgbClr val="FF0000"/>
-                </a:solidFill>
-              </a:rPr>
-              <a:t> </a:t>
-            </a:r>
-            <a:r>
-              <a:rPr lang="en-GB" sz="6500" b="1" dirty="0" err="1" smtClean="0">
-                <a:solidFill>
-                  <a:srgbClr val="FF0000"/>
-                </a:solidFill>
-              </a:rPr>
+              <a:rPr lang="en-GB" sz="6500" b="1" dirty="0"/>
+              <a:t> </a:t>
+            </a:r>
+            <a:r>
+              <a:rPr lang="en-GB" sz="6500" b="1" dirty="0" err="1"/>
               <a:t>tokoa</a:t>
             </a:r>
             <a:r>
-              <a:rPr lang="en-GB" sz="6500" b="1" dirty="0" smtClean="0">
-                <a:solidFill>
-                  <a:srgbClr val="FF0000"/>
-                </a:solidFill>
-              </a:rPr>
+              <a:rPr lang="en-GB" sz="6500" b="1" dirty="0"/>
               <a:t> ;</a:t>
             </a:r>
-            <a:endParaRPr lang="fr-FR" sz="6500" b="1" dirty="0">
-              <a:solidFill>
-                <a:srgbClr val="FF0000"/>
-              </a:solidFill>
-            </a:endParaRPr>
+            <a:endParaRPr lang="fr-FR" sz="6500" b="1" dirty="0"/>
           </a:p>
         </p:txBody>
       </p:sp>
@@ -5852,13 +5231,6 @@
   <p:clrMapOvr>
     <a:masterClrMapping/>
   </p:clrMapOvr>
-  <p:timing>
-    <p:tnLst>
-      <p:par>
-        <p:cTn id="1" dur="indefinite" restart="never" nodeType="tmRoot"/>
-      </p:par>
-    </p:tnLst>
-  </p:timing>
 </p:sld>
 </file>
 
@@ -5902,224 +5274,112 @@
           <a:lstStyle/>
           <a:p>
             <a:r>
-              <a:rPr lang="en-GB" sz="6500" b="1" dirty="0" err="1" smtClean="0">
-                <a:solidFill>
-                  <a:srgbClr val="FF0000"/>
-                </a:solidFill>
-              </a:rPr>
+              <a:rPr lang="en-GB" sz="6500" b="1" dirty="0" err="1"/>
               <a:t>Aza</a:t>
             </a:r>
             <a:r>
-              <a:rPr lang="en-GB" sz="6500" b="1" dirty="0" smtClean="0">
-                <a:solidFill>
-                  <a:srgbClr val="FF0000"/>
-                </a:solidFill>
-              </a:rPr>
-              <a:t> </a:t>
-            </a:r>
-            <a:r>
-              <a:rPr lang="en-GB" sz="6500" b="1" dirty="0" err="1" smtClean="0">
-                <a:solidFill>
-                  <a:srgbClr val="FF0000"/>
-                </a:solidFill>
-              </a:rPr>
+              <a:rPr lang="en-GB" sz="6500" b="1" dirty="0"/>
+              <a:t> </a:t>
+            </a:r>
+            <a:r>
+              <a:rPr lang="en-GB" sz="6500" b="1" dirty="0" err="1"/>
               <a:t>kivy</a:t>
             </a:r>
             <a:r>
-              <a:rPr lang="en-GB" sz="6500" b="1" dirty="0" smtClean="0">
-                <a:solidFill>
-                  <a:srgbClr val="FF0000"/>
-                </a:solidFill>
-              </a:rPr>
-              <a:t> </a:t>
-            </a:r>
-            <a:r>
-              <a:rPr lang="en-GB" sz="6500" b="1" dirty="0" err="1" smtClean="0">
-                <a:solidFill>
-                  <a:srgbClr val="FF0000"/>
-                </a:solidFill>
-              </a:rPr>
+              <a:rPr lang="en-GB" sz="6500" b="1" dirty="0"/>
+              <a:t> </a:t>
+            </a:r>
+            <a:r>
+              <a:rPr lang="en-GB" sz="6500" b="1" dirty="0" err="1"/>
               <a:t>ko</a:t>
             </a:r>
             <a:r>
-              <a:rPr lang="en-GB" sz="6500" b="1" i="1" dirty="0" err="1" smtClean="0">
-                <a:solidFill>
-                  <a:srgbClr val="FF0000"/>
-                </a:solidFill>
-              </a:rPr>
+              <a:rPr lang="en-GB" sz="6500" b="1" i="1" dirty="0" err="1"/>
               <a:t>a</a:t>
             </a:r>
             <a:r>
-              <a:rPr lang="en-GB" sz="6500" b="1" dirty="0" smtClean="0">
-                <a:solidFill>
-                  <a:srgbClr val="FF0000"/>
-                </a:solidFill>
-              </a:rPr>
+              <a:rPr lang="en-GB" sz="6500" b="1" dirty="0"/>
               <a:t>,</a:t>
             </a:r>
             <a:br>
-              <a:rPr lang="en-GB" sz="6500" b="1" dirty="0" smtClean="0">
-                <a:solidFill>
-                  <a:srgbClr val="FF0000"/>
-                </a:solidFill>
-              </a:rPr>
+              <a:rPr lang="en-GB" sz="6500" b="1" dirty="0"/>
             </a:br>
             <a:r>
-              <a:rPr lang="en-GB" sz="6500" b="1" dirty="0" smtClean="0">
-                <a:solidFill>
-                  <a:srgbClr val="FF0000"/>
-                </a:solidFill>
-              </a:rPr>
+              <a:rPr lang="en-GB" sz="6500" b="1" dirty="0"/>
               <a:t>    </a:t>
             </a:r>
             <a:r>
-              <a:rPr lang="en-GB" sz="6500" b="1" dirty="0" err="1" smtClean="0">
-                <a:solidFill>
-                  <a:srgbClr val="FF0000"/>
-                </a:solidFill>
-              </a:rPr>
+              <a:rPr lang="en-GB" sz="6500" b="1" dirty="0" err="1"/>
               <a:t>na</a:t>
             </a:r>
             <a:r>
-              <a:rPr lang="en-GB" sz="6500" b="1" dirty="0" smtClean="0">
-                <a:solidFill>
-                  <a:srgbClr val="FF0000"/>
-                </a:solidFill>
-              </a:rPr>
-              <a:t> </a:t>
-            </a:r>
-            <a:r>
-              <a:rPr lang="en-GB" sz="6500" b="1" dirty="0" err="1" smtClean="0">
-                <a:solidFill>
-                  <a:srgbClr val="FF0000"/>
-                </a:solidFill>
-              </a:rPr>
+              <a:rPr lang="en-GB" sz="6500" b="1" dirty="0"/>
+              <a:t> </a:t>
+            </a:r>
+            <a:r>
+              <a:rPr lang="en-GB" sz="6500" b="1" dirty="0" err="1"/>
               <a:t>di</a:t>
             </a:r>
             <a:r>
-              <a:rPr lang="en-GB" sz="6500" b="1" i="1" dirty="0" err="1" smtClean="0">
-                <a:solidFill>
-                  <a:srgbClr val="FF0000"/>
-                </a:solidFill>
-              </a:rPr>
+              <a:rPr lang="en-GB" sz="6500" b="1" i="1" dirty="0" err="1"/>
               <a:t>a</a:t>
             </a:r>
             <a:r>
-              <a:rPr lang="en-GB" sz="6500" b="1" dirty="0" smtClean="0">
-                <a:solidFill>
-                  <a:srgbClr val="FF0000"/>
-                </a:solidFill>
-              </a:rPr>
+              <a:rPr lang="en-GB" sz="6500" b="1" dirty="0"/>
               <a:t>  </a:t>
             </a:r>
             <a:r>
-              <a:rPr lang="en-GB" sz="6500" b="1" dirty="0" err="1" smtClean="0">
-                <a:solidFill>
-                  <a:srgbClr val="FF0000"/>
-                </a:solidFill>
-              </a:rPr>
+              <a:rPr lang="en-GB" sz="6500" b="1" dirty="0" err="1"/>
               <a:t>tsy</a:t>
             </a:r>
             <a:r>
-              <a:rPr lang="en-GB" sz="6500" b="1" dirty="0" smtClean="0">
-                <a:solidFill>
-                  <a:srgbClr val="FF0000"/>
-                </a:solidFill>
-              </a:rPr>
-              <a:t> </a:t>
-            </a:r>
-            <a:r>
-              <a:rPr lang="en-GB" sz="6500" b="1" dirty="0" err="1" smtClean="0">
-                <a:solidFill>
-                  <a:srgbClr val="FF0000"/>
-                </a:solidFill>
-              </a:rPr>
+              <a:rPr lang="en-GB" sz="6500" b="1" dirty="0"/>
+              <a:t> </a:t>
+            </a:r>
+            <a:r>
+              <a:rPr lang="en-GB" sz="6500" b="1" dirty="0" err="1"/>
               <a:t>mahazo</a:t>
             </a:r>
             <a:r>
-              <a:rPr lang="en-GB" sz="6500" b="1" dirty="0" smtClean="0">
-                <a:solidFill>
-                  <a:srgbClr val="FF0000"/>
-                </a:solidFill>
-              </a:rPr>
+              <a:rPr lang="en-GB" sz="6500" b="1" dirty="0"/>
               <a:t>:</a:t>
             </a:r>
             <a:br>
-              <a:rPr lang="en-GB" sz="6500" b="1" dirty="0" smtClean="0">
-                <a:solidFill>
-                  <a:srgbClr val="FF0000"/>
-                </a:solidFill>
-              </a:rPr>
+              <a:rPr lang="en-GB" sz="6500" b="1" dirty="0"/>
             </a:br>
             <a:r>
-              <a:rPr lang="en-GB" sz="6500" b="1" dirty="0" err="1" smtClean="0">
-                <a:solidFill>
-                  <a:srgbClr val="FF0000"/>
-                </a:solidFill>
-              </a:rPr>
+              <a:rPr lang="en-GB" sz="6500" b="1" dirty="0" err="1"/>
               <a:t>Mandrosoa</a:t>
             </a:r>
             <a:r>
-              <a:rPr lang="en-GB" sz="6500" b="1" dirty="0" smtClean="0">
-                <a:solidFill>
-                  <a:srgbClr val="FF0000"/>
-                </a:solidFill>
-              </a:rPr>
-              <a:t> </a:t>
-            </a:r>
-            <a:r>
-              <a:rPr lang="en-GB" sz="6500" b="1" dirty="0" err="1" smtClean="0">
-                <a:solidFill>
-                  <a:srgbClr val="FF0000"/>
-                </a:solidFill>
-              </a:rPr>
+              <a:rPr lang="en-GB" sz="6500" b="1" dirty="0"/>
+              <a:t> </a:t>
+            </a:r>
+            <a:r>
+              <a:rPr lang="en-GB" sz="6500" b="1" dirty="0" err="1"/>
               <a:t>amin’ny</a:t>
             </a:r>
             <a:r>
-              <a:rPr lang="en-GB" sz="6500" b="1" dirty="0" smtClean="0">
-                <a:solidFill>
-                  <a:srgbClr val="FF0000"/>
-                </a:solidFill>
-              </a:rPr>
+              <a:rPr lang="en-GB" sz="6500" b="1" dirty="0"/>
               <a:t>  </a:t>
             </a:r>
             <a:r>
-              <a:rPr lang="en-GB" sz="6500" b="1" dirty="0" err="1" smtClean="0">
-                <a:solidFill>
-                  <a:srgbClr val="FF0000"/>
-                </a:solidFill>
-              </a:rPr>
+              <a:rPr lang="en-GB" sz="6500" b="1" dirty="0" err="1"/>
               <a:t>lalina</a:t>
             </a:r>
             <a:r>
-              <a:rPr lang="en-GB" sz="6500" b="1" dirty="0" smtClean="0">
-                <a:solidFill>
-                  <a:srgbClr val="FF0000"/>
-                </a:solidFill>
-              </a:rPr>
-              <a:t> </a:t>
-            </a:r>
-            <a:r>
-              <a:rPr lang="en-GB" sz="6500" b="1" dirty="0" err="1" smtClean="0">
-                <a:solidFill>
-                  <a:srgbClr val="FF0000"/>
-                </a:solidFill>
-              </a:rPr>
+              <a:rPr lang="en-GB" sz="6500" b="1" dirty="0"/>
+              <a:t> </a:t>
+            </a:r>
+            <a:r>
+              <a:rPr lang="en-GB" sz="6500" b="1" dirty="0" err="1"/>
               <a:t>kokoa</a:t>
             </a:r>
             <a:r>
-              <a:rPr lang="en-GB" sz="6500" b="1" dirty="0" smtClean="0">
-                <a:solidFill>
-                  <a:srgbClr val="FF0000"/>
-                </a:solidFill>
-              </a:rPr>
+              <a:rPr lang="en-GB" sz="6500" b="1" dirty="0"/>
               <a:t>.</a:t>
             </a:r>
-            <a:endParaRPr lang="fr-FR" sz="6500" b="1" dirty="0">
-              <a:solidFill>
-                <a:srgbClr val="FF0000"/>
-              </a:solidFill>
-            </a:endParaRPr>
+            <a:endParaRPr lang="fr-FR" sz="6500" b="1" dirty="0"/>
           </a:p>
         </p:txBody>
       </p:sp>
@@ -6128,13 +5388,6 @@
   <p:clrMapOvr>
     <a:masterClrMapping/>
   </p:clrMapOvr>
-  <p:timing>
-    <p:tnLst>
-      <p:par>
-        <p:cTn id="1" dur="indefinite" restart="never" nodeType="tmRoot"/>
-      </p:par>
-    </p:tnLst>
-  </p:timing>
 </p:sld>
 </file>
 

--- a/FFPM/FFPM 303.pptx
+++ b/FFPM/FFPM 303.pptx
@@ -318,7 +318,7 @@
           <a:p>
             <a:fld id="{903AAF59-6F48-454C-BECB-2D44C0AEF61A}" type="datetimeFigureOut">
               <a:rPr lang="fr-FR" smtClean="0"/>
-              <a:t>25/06/2023</a:t>
+              <a:t>04/08/2024</a:t>
             </a:fld>
             <a:endParaRPr lang="fr-FR"/>
           </a:p>
@@ -481,7 +481,7 @@
           <a:p>
             <a:fld id="{903AAF59-6F48-454C-BECB-2D44C0AEF61A}" type="datetimeFigureOut">
               <a:rPr lang="fr-FR" smtClean="0"/>
-              <a:t>25/06/2023</a:t>
+              <a:t>04/08/2024</a:t>
             </a:fld>
             <a:endParaRPr lang="fr-FR"/>
           </a:p>
@@ -654,7 +654,7 @@
           <a:p>
             <a:fld id="{903AAF59-6F48-454C-BECB-2D44C0AEF61A}" type="datetimeFigureOut">
               <a:rPr lang="fr-FR" smtClean="0"/>
-              <a:t>25/06/2023</a:t>
+              <a:t>04/08/2024</a:t>
             </a:fld>
             <a:endParaRPr lang="fr-FR"/>
           </a:p>
@@ -817,7 +817,7 @@
           <a:p>
             <a:fld id="{903AAF59-6F48-454C-BECB-2D44C0AEF61A}" type="datetimeFigureOut">
               <a:rPr lang="fr-FR" smtClean="0"/>
-              <a:t>25/06/2023</a:t>
+              <a:t>04/08/2024</a:t>
             </a:fld>
             <a:endParaRPr lang="fr-FR"/>
           </a:p>
@@ -1057,7 +1057,7 @@
           <a:p>
             <a:fld id="{903AAF59-6F48-454C-BECB-2D44C0AEF61A}" type="datetimeFigureOut">
               <a:rPr lang="fr-FR" smtClean="0"/>
-              <a:t>25/06/2023</a:t>
+              <a:t>04/08/2024</a:t>
             </a:fld>
             <a:endParaRPr lang="fr-FR"/>
           </a:p>
@@ -1337,7 +1337,7 @@
           <a:p>
             <a:fld id="{903AAF59-6F48-454C-BECB-2D44C0AEF61A}" type="datetimeFigureOut">
               <a:rPr lang="fr-FR" smtClean="0"/>
-              <a:t>25/06/2023</a:t>
+              <a:t>04/08/2024</a:t>
             </a:fld>
             <a:endParaRPr lang="fr-FR"/>
           </a:p>
@@ -1756,7 +1756,7 @@
           <a:p>
             <a:fld id="{903AAF59-6F48-454C-BECB-2D44C0AEF61A}" type="datetimeFigureOut">
               <a:rPr lang="fr-FR" smtClean="0"/>
-              <a:t>25/06/2023</a:t>
+              <a:t>04/08/2024</a:t>
             </a:fld>
             <a:endParaRPr lang="fr-FR"/>
           </a:p>
@@ -1868,7 +1868,7 @@
           <a:p>
             <a:fld id="{903AAF59-6F48-454C-BECB-2D44C0AEF61A}" type="datetimeFigureOut">
               <a:rPr lang="fr-FR" smtClean="0"/>
-              <a:t>25/06/2023</a:t>
+              <a:t>04/08/2024</a:t>
             </a:fld>
             <a:endParaRPr lang="fr-FR"/>
           </a:p>
@@ -1958,7 +1958,7 @@
           <a:p>
             <a:fld id="{903AAF59-6F48-454C-BECB-2D44C0AEF61A}" type="datetimeFigureOut">
               <a:rPr lang="fr-FR" smtClean="0"/>
-              <a:t>25/06/2023</a:t>
+              <a:t>04/08/2024</a:t>
             </a:fld>
             <a:endParaRPr lang="fr-FR"/>
           </a:p>
@@ -2228,7 +2228,7 @@
           <a:p>
             <a:fld id="{903AAF59-6F48-454C-BECB-2D44C0AEF61A}" type="datetimeFigureOut">
               <a:rPr lang="fr-FR" smtClean="0"/>
-              <a:t>25/06/2023</a:t>
+              <a:t>04/08/2024</a:t>
             </a:fld>
             <a:endParaRPr lang="fr-FR"/>
           </a:p>
@@ -2475,7 +2475,7 @@
           <a:p>
             <a:fld id="{903AAF59-6F48-454C-BECB-2D44C0AEF61A}" type="datetimeFigureOut">
               <a:rPr lang="fr-FR" smtClean="0"/>
-              <a:t>25/06/2023</a:t>
+              <a:t>04/08/2024</a:t>
             </a:fld>
             <a:endParaRPr lang="fr-FR"/>
           </a:p>
@@ -2681,7 +2681,7 @@
           <a:p>
             <a:fld id="{903AAF59-6F48-454C-BECB-2D44C0AEF61A}" type="datetimeFigureOut">
               <a:rPr lang="fr-FR" smtClean="0"/>
-              <a:t>25/06/2023</a:t>
+              <a:t>04/08/2024</a:t>
             </a:fld>
             <a:endParaRPr lang="fr-FR"/>
           </a:p>
@@ -3233,6 +3233,10 @@
               <a:rPr lang="en-GB" sz="6500" b="1" dirty="0" err="1"/>
               <a:t>hazandrano</a:t>
             </a:r>
+            <a:r>
+              <a:rPr lang="en-GB" sz="6500" b="1" dirty="0"/>
+              <a:t/>
+            </a:r>
             <a:br>
               <a:rPr lang="en-GB" sz="6500" b="1" dirty="0"/>
             </a:br>
@@ -3373,6 +3377,10 @@
               <a:rPr lang="en-GB" sz="6500" b="1" dirty="0" err="1"/>
               <a:t>arotsahy</a:t>
             </a:r>
+            <a:r>
+              <a:rPr lang="en-GB" sz="6500" b="1" dirty="0"/>
+              <a:t/>
+            </a:r>
             <a:br>
               <a:rPr lang="en-GB" sz="6500" b="1" dirty="0"/>
             </a:br>
@@ -3395,6 +3403,10 @@
             <a:r>
               <a:rPr lang="en-GB" sz="6500" b="1" dirty="0"/>
               <a:t>.</a:t>
+            </a:r>
+            <a:r>
+              <a:rPr lang="en-GB" dirty="0"/>
+              <a:t/>
             </a:r>
             <a:br>
               <a:rPr lang="en-GB" dirty="0"/>
@@ -3489,6 +3501,10 @@
               <a:rPr lang="en-GB" sz="6500" b="1" dirty="0" err="1"/>
               <a:t>mibaiko</a:t>
             </a:r>
+            <a:r>
+              <a:rPr lang="en-GB" sz="6500" b="1" dirty="0"/>
+              <a:t/>
+            </a:r>
             <a:br>
               <a:rPr lang="en-GB" sz="6500" b="1" dirty="0"/>
             </a:br>
@@ -3782,6 +3798,10 @@
               <a:rPr lang="en-GB" sz="6500" b="1" dirty="0" err="1"/>
               <a:t>tsambonay</a:t>
             </a:r>
+            <a:r>
+              <a:rPr lang="en-GB" sz="6500" b="1" dirty="0"/>
+              <a:t/>
+            </a:r>
             <a:br>
               <a:rPr lang="en-GB" sz="6500" b="1" dirty="0"/>
             </a:br>
@@ -3808,6 +3828,10 @@
             <a:r>
               <a:rPr lang="en-GB" sz="6500" b="1" dirty="0" err="1"/>
               <a:t>lalandava</a:t>
+            </a:r>
+            <a:r>
+              <a:rPr lang="en-GB" sz="6500" b="1" dirty="0"/>
+              <a:t/>
             </a:r>
             <a:br>
               <a:rPr lang="en-GB" sz="6500" b="1" dirty="0"/>
@@ -3926,6 +3950,10 @@
               <a:rPr lang="en-GB" sz="6500" b="1" dirty="0" err="1"/>
               <a:t>hankatoavinay</a:t>
             </a:r>
+            <a:r>
+              <a:rPr lang="en-GB" sz="6500" b="1" dirty="0"/>
+              <a:t/>
+            </a:r>
             <a:br>
               <a:rPr lang="en-GB" sz="6500" b="1" dirty="0"/>
             </a:br>
@@ -3948,6 +3976,10 @@
             <a:r>
               <a:rPr lang="en-GB" sz="6500" b="1" dirty="0" err="1"/>
               <a:t>zao</a:t>
+            </a:r>
+            <a:r>
+              <a:rPr lang="en-GB" sz="6500" b="1" dirty="0"/>
+              <a:t/>
             </a:r>
             <a:br>
               <a:rPr lang="en-GB" sz="6500" b="1" dirty="0"/>
@@ -4058,6 +4090,10 @@
               <a:rPr lang="en-GB" sz="6500" b="1" dirty="0" err="1"/>
               <a:t>mibaiko</a:t>
             </a:r>
+            <a:r>
+              <a:rPr lang="en-GB" sz="6500" b="1" dirty="0"/>
+              <a:t/>
+            </a:r>
             <a:br>
               <a:rPr lang="en-GB" sz="6500" b="1" dirty="0"/>
             </a:br>
@@ -4304,12 +4340,13 @@
           </a:bodyPr>
           <a:lstStyle/>
           <a:p>
-            <a:br>
-              <a:rPr lang="en-GB" dirty="0"/>
-            </a:br>
+            <a:r>
+              <a:rPr lang="en-GB" sz="7200" b="1" smtClean="0"/>
+              <a:t>1 </a:t>
+            </a:r>
             <a:r>
               <a:rPr lang="en-GB" sz="7200" b="1" dirty="0"/>
-              <a:t>1 .O ! </a:t>
+              <a:t>.O ! </a:t>
             </a:r>
             <a:r>
               <a:rPr lang="en-GB" sz="7200" b="1" dirty="0" err="1"/>
@@ -4509,6 +4546,10 @@
               <a:rPr lang="en-GB" sz="6500" b="1" dirty="0" err="1"/>
               <a:t>arotsahy</a:t>
             </a:r>
+            <a:r>
+              <a:rPr lang="en-GB" sz="6500" b="1" dirty="0"/>
+              <a:t/>
+            </a:r>
             <a:br>
               <a:rPr lang="en-GB" sz="6500" b="1" dirty="0"/>
             </a:br>
@@ -4618,6 +4659,10 @@
               <a:rPr lang="en-GB" sz="6500" b="1" dirty="0" err="1"/>
               <a:t>mibaiko</a:t>
             </a:r>
+            <a:r>
+              <a:rPr lang="en-GB" sz="6500" b="1" dirty="0"/>
+              <a:t/>
+            </a:r>
             <a:br>
               <a:rPr lang="en-GB" sz="6500" b="1" dirty="0"/>
             </a:br>
@@ -4934,6 +4979,10 @@
               <a:rPr lang="en-GB" sz="6500" b="1" dirty="0" err="1"/>
               <a:t>kivy</a:t>
             </a:r>
+            <a:r>
+              <a:rPr lang="en-GB" sz="6500" b="1" dirty="0"/>
+              <a:t/>
+            </a:r>
             <a:br>
               <a:rPr lang="en-GB" sz="6500" b="1" dirty="0"/>
             </a:br>
@@ -5024,6 +5073,10 @@
               <a:rPr lang="en-GB" sz="6500" b="1" dirty="0" err="1"/>
               <a:t>kivy</a:t>
             </a:r>
+            <a:r>
+              <a:rPr lang="en-GB" sz="6500" b="1" dirty="0"/>
+              <a:t/>
+            </a:r>
             <a:br>
               <a:rPr lang="en-GB" sz="6500" b="1" dirty="0"/>
             </a:br>
@@ -5074,6 +5127,10 @@
             <a:r>
               <a:rPr lang="en-GB" sz="6500" b="1" dirty="0" err="1"/>
               <a:t>arotsahy</a:t>
+            </a:r>
+            <a:r>
+              <a:rPr lang="en-GB" sz="6500" b="1" dirty="0"/>
+              <a:t/>
             </a:r>
             <a:br>
               <a:rPr lang="en-GB" sz="6500" b="1" dirty="0"/>
@@ -5183,6 +5240,10 @@
             <a:r>
               <a:rPr lang="en-GB" sz="6500" b="1" dirty="0" err="1"/>
               <a:t>mibaiko</a:t>
+            </a:r>
+            <a:r>
+              <a:rPr lang="en-GB" sz="6500" b="1" dirty="0"/>
+              <a:t/>
             </a:r>
             <a:br>
               <a:rPr lang="en-GB" sz="6500" b="1" dirty="0"/>
